--- a/Curriculum/Week_2/Lectures/2.2_JavaScript_Interacting_with_HTML.pptx
+++ b/Curriculum/Week_2/Lectures/2.2_JavaScript_Interacting_with_HTML.pptx
@@ -1492,7 +1492,7 @@
         </p:nvSpPr>
         <p:spPr>
           <a:xfrm>
-            <a:off x="381300" y="685800"/>
+            <a:off x="381000" y="685800"/>
             <a:ext cx="6096000" cy="3429000"/>
           </a:xfrm>
           <a:custGeom>
@@ -1810,7 +1810,7 @@
         </p:nvSpPr>
         <p:spPr>
           <a:xfrm>
-            <a:off x="381300" y="685800"/>
+            <a:off x="381000" y="685800"/>
             <a:ext cx="6096000" cy="3429000"/>
           </a:xfrm>
           <a:custGeom>
@@ -2315,7 +2315,7 @@
         </p:nvSpPr>
         <p:spPr>
           <a:xfrm>
-            <a:off x="381300" y="685800"/>
+            <a:off x="381000" y="685800"/>
             <a:ext cx="6096000" cy="3429000"/>
           </a:xfrm>
           <a:custGeom>
@@ -2898,7 +2898,7 @@
         </p:nvSpPr>
         <p:spPr>
           <a:xfrm>
-            <a:off x="381300" y="685800"/>
+            <a:off x="381000" y="685800"/>
             <a:ext cx="6096000" cy="3429000"/>
           </a:xfrm>
           <a:custGeom>
@@ -7341,7 +7341,7 @@
               <a:buNone/>
             </a:pPr>
             <a:r>
-              <a:rPr lang="en" dirty="0"/>
+              <a:rPr lang="en" sz="1800" dirty="0"/>
               <a:t>Events can be:</a:t>
             </a:r>
           </a:p>
@@ -7434,7 +7434,7 @@
               <a:buNone/>
             </a:pPr>
             <a:r>
-              <a:rPr lang="en" dirty="0"/>
+              <a:rPr lang="en" sz="1800" dirty="0"/>
               <a:t>...and more!</a:t>
             </a:r>
           </a:p>
@@ -7570,7 +7570,7 @@
               <a:buNone/>
             </a:pPr>
             <a:r>
-              <a:rPr lang="en" dirty="0"/>
+              <a:rPr lang="en" sz="1800" dirty="0"/>
               <a:t>How to assign events to DOM Elements?</a:t>
             </a:r>
           </a:p>
@@ -7593,7 +7593,7 @@
               <a:buNone/>
             </a:pPr>
             <a:r>
-              <a:rPr lang="en" sz="1200" dirty="0" smtClean="0">
+              <a:rPr lang="en" dirty="0" smtClean="0">
                 <a:solidFill>
                   <a:srgbClr val="0000CD"/>
                 </a:solidFill>
@@ -7605,7 +7605,7 @@
               <a:t>&lt;</a:t>
             </a:r>
             <a:r>
-              <a:rPr lang="en" sz="1200" dirty="0">
+              <a:rPr lang="en" dirty="0">
                 <a:solidFill>
                   <a:srgbClr val="A52A2A"/>
                 </a:solidFill>
@@ -7617,7 +7617,7 @@
               <a:t>script</a:t>
             </a:r>
             <a:r>
-              <a:rPr lang="en" sz="1200" dirty="0">
+              <a:rPr lang="en" dirty="0">
                 <a:solidFill>
                   <a:srgbClr val="0000CD"/>
                 </a:solidFill>
@@ -7648,7 +7648,7 @@
               <a:buNone/>
             </a:pPr>
             <a:r>
-              <a:rPr lang="en" sz="1200" dirty="0">
+              <a:rPr lang="en" dirty="0">
                 <a:solidFill>
                   <a:srgbClr val="000000"/>
                 </a:solidFill>
@@ -7660,7 +7660,7 @@
               <a:t>  document.getElementById(</a:t>
             </a:r>
             <a:r>
-              <a:rPr lang="en" sz="1200" dirty="0">
+              <a:rPr lang="en" dirty="0">
                 <a:solidFill>
                   <a:srgbClr val="A52A2A"/>
                 </a:solidFill>
@@ -7672,7 +7672,7 @@
               <a:t>"my-btn"</a:t>
             </a:r>
             <a:r>
-              <a:rPr lang="en" sz="1200" dirty="0">
+              <a:rPr lang="en" dirty="0">
                 <a:solidFill>
                   <a:srgbClr val="000000"/>
                 </a:solidFill>
@@ -7702,7 +7702,7 @@
               <a:buFont typeface="Source Code Pro"/>
               <a:buNone/>
             </a:pPr>
-            <a:endParaRPr sz="1200" dirty="0">
+            <a:endParaRPr dirty="0">
               <a:solidFill>
                 <a:srgbClr val="000000"/>
               </a:solidFill>
@@ -7731,7 +7731,7 @@
               <a:buNone/>
             </a:pPr>
             <a:r>
-              <a:rPr lang="en" sz="1200" dirty="0">
+              <a:rPr lang="en" dirty="0">
                 <a:solidFill>
                   <a:srgbClr val="000000"/>
                 </a:solidFill>
@@ -7757,7 +7757,7 @@
               <a:buNone/>
             </a:pPr>
             <a:r>
-              <a:rPr lang="en" sz="1200" dirty="0">
+              <a:rPr lang="en" dirty="0">
                 <a:solidFill>
                   <a:srgbClr val="000000"/>
                 </a:solidFill>
@@ -7788,7 +7788,7 @@
               <a:buNone/>
             </a:pPr>
             <a:r>
-              <a:rPr lang="en" sz="1200" dirty="0">
+              <a:rPr lang="en" dirty="0">
                 <a:solidFill>
                   <a:srgbClr val="000000"/>
                 </a:solidFill>
@@ -7800,7 +7800,7 @@
               <a:t>       </a:t>
             </a:r>
             <a:r>
-              <a:rPr lang="en" sz="1200" dirty="0" smtClean="0">
+              <a:rPr lang="en" dirty="0" smtClean="0">
                 <a:solidFill>
                   <a:srgbClr val="000000"/>
                 </a:solidFill>
@@ -7811,7 +7811,7 @@
               </a:rPr>
               <a:t>}</a:t>
             </a:r>
-            <a:endParaRPr lang="en-US" sz="1200" dirty="0" smtClean="0">
+            <a:endParaRPr lang="en-US" dirty="0" smtClean="0">
               <a:solidFill>
                 <a:srgbClr val="000000"/>
               </a:solidFill>
@@ -7840,7 +7840,7 @@
               <a:buNone/>
             </a:pPr>
             <a:r>
-              <a:rPr lang="en" sz="1200" dirty="0" smtClean="0">
+              <a:rPr lang="en" dirty="0" smtClean="0">
                 <a:solidFill>
                   <a:srgbClr val="0000CD"/>
                 </a:solidFill>
@@ -7852,7 +7852,7 @@
               <a:t>&lt;</a:t>
             </a:r>
             <a:r>
-              <a:rPr lang="en" sz="1200" dirty="0" smtClean="0">
+              <a:rPr lang="en" dirty="0" smtClean="0">
                 <a:solidFill>
                   <a:srgbClr val="A52A2A"/>
                 </a:solidFill>
@@ -7864,7 +7864,7 @@
               <a:t>/</a:t>
             </a:r>
             <a:r>
-              <a:rPr lang="en" sz="1200" dirty="0">
+              <a:rPr lang="en" dirty="0">
                 <a:solidFill>
                   <a:srgbClr val="A52A2A"/>
                 </a:solidFill>
@@ -7876,7 +7876,7 @@
               <a:t>script</a:t>
             </a:r>
             <a:r>
-              <a:rPr lang="en" sz="1200" dirty="0">
+              <a:rPr lang="en" dirty="0">
                 <a:solidFill>
                   <a:srgbClr val="0000CD"/>
                 </a:solidFill>
@@ -8351,13 +8351,13 @@
               <a:buNone/>
             </a:pPr>
             <a:r>
-              <a:rPr lang="en" sz="1300" dirty="0">
+              <a:rPr lang="en" dirty="0">
                 <a:solidFill>
                   <a:srgbClr val="999999"/>
                 </a:solidFill>
-                <a:latin typeface="Source Code Pro"/>
+                <a:latin typeface="Consolas"/>
                 <a:ea typeface="Source Code Pro"/>
-                <a:cs typeface="Source Code Pro"/>
+                <a:cs typeface="Consolas"/>
                 <a:sym typeface="Source Code Pro"/>
               </a:rPr>
               <a:t>// Gets the element with id “myElmt”</a:t>
@@ -8377,13 +8377,13 @@
               <a:buNone/>
             </a:pPr>
             <a:r>
-              <a:rPr lang="en" sz="1300" dirty="0">
+              <a:rPr lang="en" dirty="0">
                 <a:solidFill>
                   <a:srgbClr val="000000"/>
                 </a:solidFill>
-                <a:latin typeface="Source Code Pro"/>
+                <a:latin typeface="Consolas"/>
                 <a:ea typeface="Source Code Pro"/>
-                <a:cs typeface="Source Code Pro"/>
+                <a:cs typeface="Consolas"/>
                 <a:sym typeface="Source Code Pro"/>
               </a:rPr>
               <a:t>document.getElementById(“my-elmt”);</a:t>
@@ -8402,10 +8402,10 @@
               </a:spcAft>
               <a:buNone/>
             </a:pPr>
-            <a:endParaRPr sz="1300" dirty="0">
-              <a:latin typeface="Source Code Pro"/>
+            <a:endParaRPr dirty="0">
+              <a:latin typeface="Consolas"/>
               <a:ea typeface="Source Code Pro"/>
-              <a:cs typeface="Source Code Pro"/>
+              <a:cs typeface="Consolas"/>
               <a:sym typeface="Source Code Pro"/>
             </a:endParaRPr>
           </a:p>
@@ -8423,13 +8423,13 @@
               <a:buNone/>
             </a:pPr>
             <a:r>
-              <a:rPr lang="en" sz="1300" dirty="0">
+              <a:rPr lang="en" dirty="0">
                 <a:solidFill>
                   <a:srgbClr val="999999"/>
                 </a:solidFill>
-                <a:latin typeface="Source Code Pro"/>
+                <a:latin typeface="Consolas"/>
                 <a:ea typeface="Source Code Pro"/>
-                <a:cs typeface="Source Code Pro"/>
+                <a:cs typeface="Consolas"/>
                 <a:sym typeface="Source Code Pro"/>
               </a:rPr>
               <a:t>// Do something when myElmt is clicked</a:t>
@@ -8449,13 +8449,13 @@
               <a:buNone/>
             </a:pPr>
             <a:r>
-              <a:rPr lang="en" sz="1300" dirty="0">
+              <a:rPr lang="en" dirty="0">
                 <a:solidFill>
                   <a:srgbClr val="000000"/>
                 </a:solidFill>
-                <a:latin typeface="Source Code Pro"/>
+                <a:latin typeface="Consolas"/>
                 <a:ea typeface="Source Code Pro"/>
-                <a:cs typeface="Source Code Pro"/>
+                <a:cs typeface="Consolas"/>
                 <a:sym typeface="Source Code Pro"/>
               </a:rPr>
               <a:t>document.getElementById(“my-elmt”)</a:t>
@@ -8475,49 +8475,49 @@
               <a:buNone/>
             </a:pPr>
             <a:r>
-              <a:rPr lang="en-US" sz="1300" dirty="0">
+              <a:rPr lang="en-US" dirty="0">
                 <a:solidFill>
                   <a:srgbClr val="000000"/>
                 </a:solidFill>
-                <a:latin typeface="Source Code Pro"/>
+                <a:latin typeface="Consolas"/>
                 <a:ea typeface="Source Code Pro"/>
-                <a:cs typeface="Source Code Pro"/>
+                <a:cs typeface="Consolas"/>
                 <a:sym typeface="Source Code Pro"/>
               </a:rPr>
               <a:t> </a:t>
             </a:r>
             <a:r>
-              <a:rPr lang="en-US" sz="1300" dirty="0" smtClean="0">
+              <a:rPr lang="en-US" dirty="0" smtClean="0">
                 <a:solidFill>
                   <a:srgbClr val="000000"/>
                 </a:solidFill>
-                <a:latin typeface="Source Code Pro"/>
+                <a:latin typeface="Consolas"/>
                 <a:ea typeface="Source Code Pro"/>
-                <a:cs typeface="Source Code Pro"/>
+                <a:cs typeface="Consolas"/>
                 <a:sym typeface="Source Code Pro"/>
               </a:rPr>
               <a:t>   </a:t>
             </a:r>
             <a:r>
-              <a:rPr lang="en" sz="1300" dirty="0" smtClean="0">
+              <a:rPr lang="en" dirty="0" smtClean="0">
                 <a:solidFill>
                   <a:srgbClr val="000000"/>
                 </a:solidFill>
-                <a:latin typeface="Source Code Pro"/>
+                <a:latin typeface="Consolas"/>
                 <a:ea typeface="Source Code Pro"/>
-                <a:cs typeface="Source Code Pro"/>
+                <a:cs typeface="Consolas"/>
                 <a:sym typeface="Source Code Pro"/>
               </a:rPr>
               <a:t>.</a:t>
             </a:r>
             <a:r>
-              <a:rPr lang="en" sz="1300" dirty="0">
+              <a:rPr lang="en" dirty="0">
                 <a:solidFill>
                   <a:srgbClr val="000000"/>
                 </a:solidFill>
-                <a:latin typeface="Source Code Pro"/>
+                <a:latin typeface="Consolas"/>
                 <a:ea typeface="Source Code Pro"/>
-                <a:cs typeface="Source Code Pro"/>
+                <a:cs typeface="Consolas"/>
                 <a:sym typeface="Source Code Pro"/>
               </a:rPr>
               <a:t>addEventListener(“click”,</a:t>
@@ -8537,49 +8537,49 @@
               <a:buNone/>
             </a:pPr>
             <a:r>
-              <a:rPr lang="en-US" sz="1300" dirty="0">
+              <a:rPr lang="en-US" dirty="0">
                 <a:solidFill>
                   <a:srgbClr val="000000"/>
                 </a:solidFill>
-                <a:latin typeface="Source Code Pro"/>
+                <a:latin typeface="Consolas"/>
                 <a:ea typeface="Source Code Pro"/>
-                <a:cs typeface="Source Code Pro"/>
+                <a:cs typeface="Consolas"/>
                 <a:sym typeface="Source Code Pro"/>
               </a:rPr>
               <a:t> </a:t>
             </a:r>
             <a:r>
-              <a:rPr lang="en-US" sz="1300" dirty="0" smtClean="0">
+              <a:rPr lang="en-US" dirty="0" smtClean="0">
                 <a:solidFill>
                   <a:srgbClr val="000000"/>
                 </a:solidFill>
-                <a:latin typeface="Source Code Pro"/>
+                <a:latin typeface="Consolas"/>
                 <a:ea typeface="Source Code Pro"/>
-                <a:cs typeface="Source Code Pro"/>
+                <a:cs typeface="Consolas"/>
                 <a:sym typeface="Source Code Pro"/>
               </a:rPr>
               <a:t>       </a:t>
             </a:r>
             <a:r>
-              <a:rPr lang="en" sz="1300" dirty="0" smtClean="0">
+              <a:rPr lang="en" dirty="0" smtClean="0">
                 <a:solidFill>
                   <a:srgbClr val="000000"/>
                 </a:solidFill>
-                <a:latin typeface="Source Code Pro"/>
+                <a:latin typeface="Consolas"/>
                 <a:ea typeface="Source Code Pro"/>
-                <a:cs typeface="Source Code Pro"/>
+                <a:cs typeface="Consolas"/>
                 <a:sym typeface="Source Code Pro"/>
               </a:rPr>
               <a:t>function</a:t>
             </a:r>
             <a:r>
-              <a:rPr lang="en" sz="1300" dirty="0">
+              <a:rPr lang="en" dirty="0">
                 <a:solidFill>
                   <a:srgbClr val="000000"/>
                 </a:solidFill>
-                <a:latin typeface="Source Code Pro"/>
+                <a:latin typeface="Consolas"/>
                 <a:ea typeface="Source Code Pro"/>
-                <a:cs typeface="Source Code Pro"/>
+                <a:cs typeface="Consolas"/>
                 <a:sym typeface="Source Code Pro"/>
               </a:rPr>
               <a:t>() {</a:t>
@@ -8599,36 +8599,36 @@
               <a:buNone/>
             </a:pPr>
             <a:r>
-              <a:rPr lang="en" sz="1300" dirty="0">
+              <a:rPr lang="en" dirty="0">
                 <a:solidFill>
                   <a:srgbClr val="000000"/>
                 </a:solidFill>
-                <a:latin typeface="Source Code Pro"/>
+                <a:latin typeface="Consolas"/>
                 <a:ea typeface="Source Code Pro"/>
-                <a:cs typeface="Source Code Pro"/>
+                <a:cs typeface="Consolas"/>
                 <a:sym typeface="Source Code Pro"/>
               </a:rPr>
               <a:t>	</a:t>
             </a:r>
             <a:r>
-              <a:rPr lang="en" sz="1300" dirty="0" smtClean="0">
+              <a:rPr lang="en" dirty="0" smtClean="0">
                 <a:solidFill>
                   <a:srgbClr val="000000"/>
                 </a:solidFill>
-                <a:latin typeface="Source Code Pro"/>
+                <a:latin typeface="Consolas"/>
                 <a:ea typeface="Source Code Pro"/>
-                <a:cs typeface="Source Code Pro"/>
+                <a:cs typeface="Consolas"/>
                 <a:sym typeface="Source Code Pro"/>
               </a:rPr>
               <a:t>... </a:t>
             </a:r>
-            <a:endParaRPr lang="en" sz="1300" dirty="0">
+            <a:endParaRPr lang="en" dirty="0">
               <a:solidFill>
                 <a:srgbClr val="000000"/>
               </a:solidFill>
-              <a:latin typeface="Source Code Pro"/>
+              <a:latin typeface="Consolas"/>
               <a:ea typeface="Source Code Pro"/>
-              <a:cs typeface="Source Code Pro"/>
+              <a:cs typeface="Consolas"/>
               <a:sym typeface="Source Code Pro"/>
             </a:endParaRPr>
           </a:p>
@@ -8646,48 +8646,48 @@
               <a:buNone/>
             </a:pPr>
             <a:r>
-              <a:rPr lang="en-US" sz="1300" dirty="0">
+              <a:rPr lang="en-US" dirty="0">
                 <a:solidFill>
                   <a:srgbClr val="000000"/>
                 </a:solidFill>
-                <a:latin typeface="Source Code Pro"/>
+                <a:latin typeface="Consolas"/>
                 <a:ea typeface="Source Code Pro"/>
-                <a:cs typeface="Source Code Pro"/>
+                <a:cs typeface="Consolas"/>
                 <a:sym typeface="Source Code Pro"/>
               </a:rPr>
               <a:t> </a:t>
             </a:r>
             <a:r>
-              <a:rPr lang="en-US" sz="1300" dirty="0" smtClean="0">
+              <a:rPr lang="en-US" dirty="0" smtClean="0">
                 <a:solidFill>
                   <a:srgbClr val="000000"/>
                 </a:solidFill>
-                <a:latin typeface="Source Code Pro"/>
+                <a:latin typeface="Consolas"/>
                 <a:ea typeface="Source Code Pro"/>
-                <a:cs typeface="Source Code Pro"/>
+                <a:cs typeface="Consolas"/>
                 <a:sym typeface="Source Code Pro"/>
               </a:rPr>
               <a:t>       </a:t>
             </a:r>
             <a:r>
-              <a:rPr lang="en" sz="1300" dirty="0" smtClean="0">
+              <a:rPr lang="en" dirty="0" smtClean="0">
                 <a:solidFill>
                   <a:srgbClr val="000000"/>
                 </a:solidFill>
-                <a:latin typeface="Source Code Pro"/>
+                <a:latin typeface="Consolas"/>
                 <a:ea typeface="Source Code Pro"/>
-                <a:cs typeface="Source Code Pro"/>
+                <a:cs typeface="Consolas"/>
                 <a:sym typeface="Source Code Pro"/>
               </a:rPr>
               <a:t>});</a:t>
             </a:r>
-            <a:endParaRPr lang="en" sz="1300" dirty="0">
+            <a:endParaRPr lang="en" dirty="0">
               <a:solidFill>
                 <a:srgbClr val="000000"/>
               </a:solidFill>
-              <a:latin typeface="Source Code Pro"/>
+              <a:latin typeface="Consolas"/>
               <a:ea typeface="Source Code Pro"/>
-              <a:cs typeface="Source Code Pro"/>
+              <a:cs typeface="Consolas"/>
               <a:sym typeface="Source Code Pro"/>
             </a:endParaRPr>
           </a:p>
@@ -8819,11 +8819,11 @@
                 <a:latin typeface="Consolas"/>
                 <a:cs typeface="Consolas"/>
               </a:rPr>
-              <a:t>&lt;div&gt; </a:t>
+              <a:t>&lt;div&gt;</a:t>
             </a:r>
             <a:r>
               <a:rPr lang="en" sz="1800" dirty="0"/>
-              <a:t>that initially says “Unclicked” and changes to “Clicked!” when a user clicks on it.</a:t>
+              <a:t> that initially says “Unclicked” and changes to “Clicked!” when a user clicks on it.</a:t>
             </a:r>
           </a:p>
         </p:txBody>
@@ -8854,16 +8854,19 @@
           <a:lstStyle/>
           <a:p>
             <a:pPr lvl="0" rtl="0">
-              <a:spcBef>
-                <a:spcPts val="0"/>
-              </a:spcBef>
-              <a:spcAft>
-                <a:spcPts val="0"/>
-              </a:spcAft>
-              <a:buNone/>
-            </a:pPr>
-            <a:r>
-              <a:rPr lang="en" b="1" u="sng" dirty="0">
+              <a:lnSpc>
+                <a:spcPct val="100000"/>
+              </a:lnSpc>
+              <a:spcBef>
+                <a:spcPts val="0"/>
+              </a:spcBef>
+              <a:spcAft>
+                <a:spcPts val="0"/>
+              </a:spcAft>
+              <a:buNone/>
+            </a:pPr>
+            <a:r>
+              <a:rPr lang="en" sz="1200" b="1" u="sng" dirty="0">
                 <a:latin typeface="Consolas"/>
                 <a:ea typeface="Consolas"/>
                 <a:cs typeface="Consolas"/>
@@ -8874,6 +8877,9 @@
           </a:p>
           <a:p>
             <a:pPr lvl="0" rtl="0">
+              <a:lnSpc>
+                <a:spcPct val="100000"/>
+              </a:lnSpc>
               <a:spcBef>
                 <a:spcPts val="0"/>
               </a:spcBef>
@@ -8897,6 +8903,9 @@
           </a:p>
           <a:p>
             <a:pPr lvl="0" rtl="0">
+              <a:lnSpc>
+                <a:spcPct val="100000"/>
+              </a:lnSpc>
               <a:spcBef>
                 <a:spcPts val="0"/>
               </a:spcBef>
@@ -8920,6 +8929,9 @@
           </a:p>
           <a:p>
             <a:pPr lvl="0" rtl="0">
+              <a:lnSpc>
+                <a:spcPct val="100000"/>
+              </a:lnSpc>
               <a:spcBef>
                 <a:spcPts val="0"/>
               </a:spcBef>
@@ -8943,6 +8955,9 @@
           </a:p>
           <a:p>
             <a:pPr lvl="0" rtl="0">
+              <a:lnSpc>
+                <a:spcPct val="100000"/>
+              </a:lnSpc>
               <a:spcBef>
                 <a:spcPts val="0"/>
               </a:spcBef>
@@ -8966,6 +8981,9 @@
           </a:p>
           <a:p>
             <a:pPr lvl="0" rtl="0">
+              <a:lnSpc>
+                <a:spcPct val="100000"/>
+              </a:lnSpc>
               <a:spcBef>
                 <a:spcPts val="0"/>
               </a:spcBef>
@@ -8989,6 +9007,9 @@
           </a:p>
           <a:p>
             <a:pPr lvl="0" rtl="0">
+              <a:lnSpc>
+                <a:spcPct val="100000"/>
+              </a:lnSpc>
               <a:spcBef>
                 <a:spcPts val="0"/>
               </a:spcBef>
@@ -9012,6 +9033,9 @@
           </a:p>
           <a:p>
             <a:pPr lvl="0" rtl="0">
+              <a:lnSpc>
+                <a:spcPct val="100000"/>
+              </a:lnSpc>
               <a:spcBef>
                 <a:spcPts val="0"/>
               </a:spcBef>
@@ -9035,15 +9059,18 @@
           </a:p>
           <a:p>
             <a:pPr lvl="0" rtl="0">
-              <a:spcBef>
-                <a:spcPts val="0"/>
-              </a:spcBef>
-              <a:spcAft>
-                <a:spcPts val="0"/>
-              </a:spcAft>
-              <a:buNone/>
-            </a:pPr>
-            <a:endParaRPr b="1" u="sng" dirty="0">
+              <a:lnSpc>
+                <a:spcPct val="100000"/>
+              </a:lnSpc>
+              <a:spcBef>
+                <a:spcPts val="0"/>
+              </a:spcBef>
+              <a:spcAft>
+                <a:spcPts val="0"/>
+              </a:spcAft>
+              <a:buNone/>
+            </a:pPr>
+            <a:endParaRPr sz="1200" b="1" u="sng" dirty="0">
               <a:latin typeface="Consolas"/>
               <a:ea typeface="Consolas"/>
               <a:cs typeface="Consolas"/>
@@ -9052,16 +9079,19 @@
           </a:p>
           <a:p>
             <a:pPr lvl="0" rtl="0">
-              <a:spcBef>
-                <a:spcPts val="0"/>
-              </a:spcBef>
-              <a:spcAft>
-                <a:spcPts val="0"/>
-              </a:spcAft>
-              <a:buNone/>
-            </a:pPr>
-            <a:r>
-              <a:rPr lang="en" b="1" dirty="0">
+              <a:lnSpc>
+                <a:spcPct val="100000"/>
+              </a:lnSpc>
+              <a:spcBef>
+                <a:spcPts val="0"/>
+              </a:spcBef>
+              <a:spcAft>
+                <a:spcPts val="0"/>
+              </a:spcAft>
+              <a:buNone/>
+            </a:pPr>
+            <a:r>
+              <a:rPr lang="en" sz="1200" b="1" dirty="0">
                 <a:latin typeface="Consolas"/>
                 <a:ea typeface="Consolas"/>
                 <a:cs typeface="Consolas"/>
@@ -9070,7 +9100,7 @@
               <a:t>In </a:t>
             </a:r>
             <a:r>
-              <a:rPr lang="en" b="1" u="sng" dirty="0">
+              <a:rPr lang="en" sz="1200" b="1" u="sng" dirty="0">
                 <a:latin typeface="Consolas"/>
                 <a:ea typeface="Consolas"/>
                 <a:cs typeface="Consolas"/>
@@ -9081,6 +9111,9 @@
           </a:p>
           <a:p>
             <a:pPr lvl="0" rtl="0">
+              <a:lnSpc>
+                <a:spcPct val="100000"/>
+              </a:lnSpc>
               <a:spcBef>
                 <a:spcPts val="0"/>
               </a:spcBef>
@@ -9116,6 +9149,9 @@
           </a:p>
           <a:p>
             <a:pPr lvl="0" rtl="0">
+              <a:lnSpc>
+                <a:spcPct val="100000"/>
+              </a:lnSpc>
               <a:spcBef>
                 <a:spcPts val="0"/>
               </a:spcBef>
@@ -9139,6 +9175,9 @@
           </a:p>
           <a:p>
             <a:pPr lvl="0" rtl="0">
+              <a:lnSpc>
+                <a:spcPct val="100000"/>
+              </a:lnSpc>
               <a:spcBef>
                 <a:spcPts val="0"/>
               </a:spcBef>
@@ -9162,6 +9201,9 @@
           </a:p>
           <a:p>
             <a:pPr lvl="0" rtl="0">
+              <a:lnSpc>
+                <a:spcPct val="100000"/>
+              </a:lnSpc>
               <a:spcBef>
                 <a:spcPts val="0"/>
               </a:spcBef>
@@ -9194,7 +9236,7 @@
               <a:buNone/>
             </a:pPr>
             <a:r>
-              <a:rPr lang="en" dirty="0">
+              <a:rPr lang="en" sz="1200" dirty="0">
                 <a:latin typeface="Consolas"/>
                 <a:ea typeface="Consolas"/>
                 <a:cs typeface="Consolas"/>
@@ -9210,7 +9252,7 @@
               </a:spcBef>
               <a:buNone/>
             </a:pPr>
-            <a:endParaRPr dirty="0"/>
+            <a:endParaRPr sz="1200" dirty="0"/>
           </a:p>
         </p:txBody>
       </p:sp>
@@ -9341,6 +9383,9 @@
           <a:lstStyle/>
           <a:p>
             <a:pPr lvl="0" rtl="0">
+              <a:lnSpc>
+                <a:spcPct val="100000"/>
+              </a:lnSpc>
               <a:spcBef>
                 <a:spcPts val="0"/>
               </a:spcBef>
@@ -9355,7 +9400,7 @@
               <a:buNone/>
             </a:pPr>
             <a:r>
-              <a:rPr lang="en" b="1" u="sng" dirty="0">
+              <a:rPr lang="en" sz="1200" b="1" u="sng" dirty="0">
                 <a:latin typeface="Consolas"/>
                 <a:ea typeface="Consolas"/>
                 <a:cs typeface="Consolas"/>
@@ -9366,6 +9411,9 @@
           </a:p>
           <a:p>
             <a:pPr lvl="0" rtl="0">
+              <a:lnSpc>
+                <a:spcPct val="100000"/>
+              </a:lnSpc>
               <a:spcBef>
                 <a:spcPts val="0"/>
               </a:spcBef>
@@ -9394,6 +9442,9 @@
           </a:p>
           <a:p>
             <a:pPr lvl="0" rtl="0">
+              <a:lnSpc>
+                <a:spcPct val="100000"/>
+              </a:lnSpc>
               <a:spcBef>
                 <a:spcPts val="0"/>
               </a:spcBef>
@@ -9422,6 +9473,9 @@
           </a:p>
           <a:p>
             <a:pPr lvl="0" rtl="0">
+              <a:lnSpc>
+                <a:spcPct val="100000"/>
+              </a:lnSpc>
               <a:spcBef>
                 <a:spcPts val="0"/>
               </a:spcBef>
@@ -9450,6 +9504,9 @@
           </a:p>
           <a:p>
             <a:pPr lvl="0" rtl="0">
+              <a:lnSpc>
+                <a:spcPct val="100000"/>
+              </a:lnSpc>
               <a:spcBef>
                 <a:spcPts val="0"/>
               </a:spcBef>
@@ -9478,6 +9535,9 @@
           </a:p>
           <a:p>
             <a:pPr lvl="0" rtl="0">
+              <a:lnSpc>
+                <a:spcPct val="100000"/>
+              </a:lnSpc>
               <a:spcBef>
                 <a:spcPts val="0"/>
               </a:spcBef>
@@ -9506,6 +9566,9 @@
           </a:p>
           <a:p>
             <a:pPr lvl="0" rtl="0">
+              <a:lnSpc>
+                <a:spcPct val="100000"/>
+              </a:lnSpc>
               <a:spcBef>
                 <a:spcPts val="0"/>
               </a:spcBef>
@@ -9534,6 +9597,9 @@
           </a:p>
           <a:p>
             <a:pPr lvl="0" rtl="0">
+              <a:lnSpc>
+                <a:spcPct val="100000"/>
+              </a:lnSpc>
               <a:spcBef>
                 <a:spcPts val="0"/>
               </a:spcBef>
@@ -9562,6 +9628,9 @@
           </a:p>
           <a:p>
             <a:pPr lvl="0" rtl="0">
+              <a:lnSpc>
+                <a:spcPct val="100000"/>
+              </a:lnSpc>
               <a:spcBef>
                 <a:spcPts val="0"/>
               </a:spcBef>
@@ -9575,7 +9644,7 @@
               <a:buFont typeface="Arial"/>
               <a:buNone/>
             </a:pPr>
-            <a:endParaRPr b="1" u="sng" dirty="0">
+            <a:endParaRPr sz="1200" b="1" u="sng" dirty="0">
               <a:latin typeface="Consolas"/>
               <a:ea typeface="Consolas"/>
               <a:cs typeface="Consolas"/>
@@ -9584,16 +9653,19 @@
           </a:p>
           <a:p>
             <a:pPr lvl="0" rtl="0">
-              <a:spcBef>
-                <a:spcPts val="0"/>
-              </a:spcBef>
-              <a:spcAft>
-                <a:spcPts val="0"/>
-              </a:spcAft>
-              <a:buNone/>
-            </a:pPr>
-            <a:r>
-              <a:rPr lang="en" b="1" dirty="0">
+              <a:lnSpc>
+                <a:spcPct val="100000"/>
+              </a:lnSpc>
+              <a:spcBef>
+                <a:spcPts val="0"/>
+              </a:spcBef>
+              <a:spcAft>
+                <a:spcPts val="0"/>
+              </a:spcAft>
+              <a:buNone/>
+            </a:pPr>
+            <a:r>
+              <a:rPr lang="en" sz="1200" b="1" dirty="0">
                 <a:latin typeface="Consolas"/>
                 <a:ea typeface="Consolas"/>
                 <a:cs typeface="Consolas"/>
@@ -9602,7 +9674,7 @@
               <a:t>In </a:t>
             </a:r>
             <a:r>
-              <a:rPr lang="en" b="1" u="sng" dirty="0">
+              <a:rPr lang="en" sz="1200" b="1" u="sng" dirty="0">
                 <a:latin typeface="Consolas"/>
                 <a:ea typeface="Consolas"/>
                 <a:cs typeface="Consolas"/>
@@ -9613,6 +9685,9 @@
           </a:p>
           <a:p>
             <a:pPr lvl="0" rtl="0">
+              <a:lnSpc>
+                <a:spcPct val="100000"/>
+              </a:lnSpc>
               <a:spcBef>
                 <a:spcPts val="0"/>
               </a:spcBef>
@@ -9653,6 +9728,9 @@
           </a:p>
           <a:p>
             <a:pPr lvl="0" rtl="0">
+              <a:lnSpc>
+                <a:spcPct val="100000"/>
+              </a:lnSpc>
               <a:spcBef>
                 <a:spcPts val="0"/>
               </a:spcBef>
@@ -9693,6 +9771,9 @@
           </a:p>
           <a:p>
             <a:pPr lvl="0" rtl="0">
+              <a:lnSpc>
+                <a:spcPct val="100000"/>
+              </a:lnSpc>
               <a:spcBef>
                 <a:spcPts val="0"/>
               </a:spcBef>
@@ -9716,6 +9797,9 @@
           </a:p>
           <a:p>
             <a:pPr lvl="0" rtl="0">
+              <a:lnSpc>
+                <a:spcPct val="100000"/>
+              </a:lnSpc>
               <a:spcBef>
                 <a:spcPts val="0"/>
               </a:spcBef>
@@ -9744,6 +9828,9 @@
           </a:p>
           <a:p>
             <a:pPr lvl="0" rtl="0">
+              <a:lnSpc>
+                <a:spcPct val="100000"/>
+              </a:lnSpc>
               <a:spcBef>
                 <a:spcPts val="0"/>
               </a:spcBef>
@@ -9772,6 +9859,9 @@
           </a:p>
           <a:p>
             <a:pPr lvl="0" rtl="0">
+              <a:lnSpc>
+                <a:spcPct val="100000"/>
+              </a:lnSpc>
               <a:spcBef>
                 <a:spcPts val="0"/>
               </a:spcBef>
@@ -10378,8 +10468,40 @@
               <a:buNone/>
             </a:pPr>
             <a:r>
-              <a:rPr lang="en"/>
+              <a:rPr lang="en" dirty="0"/>
               <a:t>Many browsers come with a JavaScript console under Developer Tools</a:t>
+            </a:r>
+          </a:p>
+          <a:p>
+            <a:pPr marL="285750" lvl="0" indent="-285750" rtl="0">
+              <a:lnSpc>
+                <a:spcPct val="100000"/>
+              </a:lnSpc>
+              <a:spcBef>
+                <a:spcPts val="0"/>
+              </a:spcBef>
+              <a:buFont typeface="Arial"/>
+              <a:buChar char="•"/>
+            </a:pPr>
+            <a:r>
+              <a:rPr lang="en" dirty="0"/>
+              <a:t>Allows you to see logged output from JavaScript</a:t>
+            </a:r>
+          </a:p>
+          <a:p>
+            <a:pPr marL="285750" lvl="0" indent="-285750" rtl="0">
+              <a:lnSpc>
+                <a:spcPct val="100000"/>
+              </a:lnSpc>
+              <a:spcBef>
+                <a:spcPts val="0"/>
+              </a:spcBef>
+              <a:buFont typeface="Arial"/>
+              <a:buChar char="•"/>
+            </a:pPr>
+            <a:r>
+              <a:rPr lang="en" dirty="0"/>
+              <a:t>Allows you to execute JavaScript commands to interact with the web page</a:t>
             </a:r>
           </a:p>
           <a:p>
@@ -10392,10 +10514,7 @@
               </a:spcBef>
               <a:buNone/>
             </a:pPr>
-            <a:r>
-              <a:rPr lang="en"/>
-              <a:t>Allows you to see logged output from JavaScript</a:t>
-            </a:r>
+            <a:endParaRPr dirty="0"/>
           </a:p>
           <a:p>
             <a:pPr lvl="0" rtl="0">
@@ -10407,34 +10526,7 @@
               </a:spcBef>
               <a:buNone/>
             </a:pPr>
-            <a:r>
-              <a:rPr lang="en"/>
-              <a:t>Allows you to execute JavaScript commands to interact with the web page</a:t>
-            </a:r>
-          </a:p>
-          <a:p>
-            <a:pPr lvl="0" rtl="0">
-              <a:lnSpc>
-                <a:spcPct val="100000"/>
-              </a:lnSpc>
-              <a:spcBef>
-                <a:spcPts val="0"/>
-              </a:spcBef>
-              <a:buNone/>
-            </a:pPr>
-            <a:endParaRPr/>
-          </a:p>
-          <a:p>
-            <a:pPr lvl="0" rtl="0">
-              <a:lnSpc>
-                <a:spcPct val="100000"/>
-              </a:lnSpc>
-              <a:spcBef>
-                <a:spcPts val="0"/>
-              </a:spcBef>
-              <a:buNone/>
-            </a:pPr>
-            <a:endParaRPr/>
+            <a:endParaRPr dirty="0"/>
           </a:p>
         </p:txBody>
       </p:sp>
@@ -10794,7 +10886,7 @@
               <a:buChar char="●"/>
             </a:pPr>
             <a:r>
-              <a:rPr lang="en" sz="1800" b="0" i="0" u="none" strike="noStrike" cap="none">
+              <a:rPr lang="en" sz="1800" b="0" i="0" u="none" strike="noStrike" cap="none" dirty="0">
                 <a:solidFill>
                   <a:schemeClr val="dk2"/>
                 </a:solidFill>
@@ -10820,7 +10912,7 @@
               <a:buChar char="●"/>
             </a:pPr>
             <a:r>
-              <a:rPr lang="en" sz="1800" b="0" i="0" u="none" strike="noStrike" cap="none">
+              <a:rPr lang="en" sz="1800" b="0" i="0" u="none" strike="noStrike" cap="none" dirty="0">
                 <a:solidFill>
                   <a:schemeClr val="dk2"/>
                 </a:solidFill>
@@ -10846,7 +10938,7 @@
               <a:buChar char="●"/>
             </a:pPr>
             <a:r>
-              <a:rPr lang="en" sz="1800" b="0" i="0" u="none" strike="noStrike" cap="none">
+              <a:rPr lang="en" sz="1800" b="0" i="0" u="none" strike="noStrike" cap="none" dirty="0">
                 <a:solidFill>
                   <a:schemeClr val="dk2"/>
                 </a:solidFill>
@@ -10872,7 +10964,7 @@
               <a:buChar char="●"/>
             </a:pPr>
             <a:r>
-              <a:rPr lang="en" sz="1800" b="0" i="0" u="none" strike="noStrike" cap="none">
+              <a:rPr lang="en" sz="1800" b="0" i="0" u="none" strike="noStrike" cap="none" dirty="0">
                 <a:solidFill>
                   <a:schemeClr val="dk2"/>
                 </a:solidFill>
@@ -10898,7 +10990,7 @@
               <a:buChar char="●"/>
             </a:pPr>
             <a:r>
-              <a:rPr lang="en" sz="1800" b="0" i="0" u="none" strike="noStrike" cap="none">
+              <a:rPr lang="en" sz="1800" b="0" i="0" u="none" strike="noStrike" cap="none" dirty="0">
                 <a:solidFill>
                   <a:schemeClr val="dk2"/>
                 </a:solidFill>
@@ -10906,7 +10998,7 @@
               <a:t>create new HTML elements and attribute</a:t>
             </a:r>
             <a:r>
-              <a:rPr lang="en"/>
+              <a:rPr lang="en" dirty="0"/>
               <a:t>s</a:t>
             </a:r>
           </a:p>
@@ -10928,7 +11020,7 @@
               <a:buChar char="●"/>
             </a:pPr>
             <a:r>
-              <a:rPr lang="en" sz="1800" b="0" i="0" u="none" strike="noStrike" cap="none">
+              <a:rPr lang="en" sz="1800" b="0" i="0" u="none" strike="noStrike" cap="none" dirty="0">
                 <a:solidFill>
                   <a:schemeClr val="dk2"/>
                 </a:solidFill>
@@ -10954,7 +11046,7 @@
               <a:buChar char="●"/>
             </a:pPr>
             <a:r>
-              <a:rPr lang="en" sz="1800" b="0" i="0" u="none" strike="noStrike" cap="none">
+              <a:rPr lang="en" sz="1800" b="0" i="0" u="none" strike="noStrike" cap="none" dirty="0">
                 <a:solidFill>
                   <a:schemeClr val="dk2"/>
                 </a:solidFill>
@@ -10975,7 +11067,7 @@
               </a:spcAft>
               <a:buNone/>
             </a:pPr>
-            <a:endParaRPr/>
+            <a:endParaRPr dirty="0"/>
           </a:p>
           <a:p>
             <a:pPr marR="0" lvl="0" algn="l" rtl="0">
@@ -10991,7 +11083,7 @@
               <a:buNone/>
             </a:pPr>
             <a:r>
-              <a:rPr lang="en"/>
+              <a:rPr lang="en" dirty="0"/>
               <a:t>...and more!</a:t>
             </a:r>
           </a:p>
@@ -11085,36 +11177,38 @@
           </a:bodyPr>
           <a:lstStyle/>
           <a:p>
-            <a:pPr lvl="0" algn="l" rtl="0">
+            <a:pPr marL="285750" lvl="0" indent="-285750" algn="l" rtl="0">
               <a:lnSpc>
                 <a:spcPct val="100000"/>
               </a:lnSpc>
               <a:spcBef>
                 <a:spcPts val="0"/>
               </a:spcBef>
-              <a:buNone/>
-            </a:pPr>
-            <a:r>
-              <a:rPr lang="en"/>
+              <a:buFont typeface="Arial"/>
+              <a:buChar char="•"/>
+            </a:pPr>
+            <a:r>
+              <a:rPr lang="en" dirty="0"/>
               <a:t>Printing to debug is only efficient for simple problems.</a:t>
             </a:r>
           </a:p>
           <a:p>
-            <a:pPr lvl="0" algn="l" rtl="0">
+            <a:pPr marL="285750" lvl="0" indent="-285750" algn="l" rtl="0">
               <a:lnSpc>
                 <a:spcPct val="100000"/>
               </a:lnSpc>
               <a:spcBef>
                 <a:spcPts val="0"/>
               </a:spcBef>
-              <a:buNone/>
-            </a:pPr>
-            <a:r>
-              <a:rPr lang="en"/>
+              <a:buFont typeface="Arial"/>
+              <a:buChar char="•"/>
+            </a:pPr>
+            <a:r>
+              <a:rPr lang="en" dirty="0"/>
               <a:t>For more complex issues, you can use </a:t>
             </a:r>
             <a:r>
-              <a:rPr lang="en">
+              <a:rPr lang="en" dirty="0">
                 <a:latin typeface="Consolas"/>
                 <a:ea typeface="Consolas"/>
                 <a:cs typeface="Consolas"/>
@@ -11123,41 +11217,43 @@
               <a:t>debugger;</a:t>
             </a:r>
             <a:r>
-              <a:rPr lang="en"/>
+              <a:rPr lang="en" dirty="0"/>
               <a:t> as a breakpoint in your code. You can also set breakpoints from the browser via the developer console.</a:t>
             </a:r>
           </a:p>
           <a:p>
-            <a:pPr lvl="0" algn="l" rtl="0">
+            <a:pPr marL="285750" lvl="0" indent="-285750" algn="l" rtl="0">
               <a:lnSpc>
                 <a:spcPct val="100000"/>
               </a:lnSpc>
               <a:spcBef>
                 <a:spcPts val="0"/>
               </a:spcBef>
-              <a:buNone/>
-            </a:pPr>
-            <a:r>
-              <a:rPr lang="en" b="1"/>
+              <a:buFont typeface="Arial"/>
+              <a:buChar char="•"/>
+            </a:pPr>
+            <a:r>
+              <a:rPr lang="en" b="1" dirty="0"/>
               <a:t>Breakpoint</a:t>
             </a:r>
             <a:r>
-              <a:rPr lang="en"/>
+              <a:rPr lang="en" dirty="0"/>
               <a:t>: pauses execution of code at the specified point</a:t>
             </a:r>
           </a:p>
           <a:p>
-            <a:pPr lvl="0" algn="l" rtl="0">
+            <a:pPr marL="285750" lvl="0" indent="-285750" algn="l" rtl="0">
               <a:lnSpc>
                 <a:spcPct val="100000"/>
               </a:lnSpc>
               <a:spcBef>
                 <a:spcPts val="0"/>
               </a:spcBef>
-              <a:buNone/>
-            </a:pPr>
-            <a:r>
-              <a:rPr lang="en"/>
+              <a:buFont typeface="Arial"/>
+              <a:buChar char="•"/>
+            </a:pPr>
+            <a:r>
+              <a:rPr lang="en" dirty="0"/>
               <a:t>Once paused at a breakpoint, you can use debugging tools provided in the console to step through your code statement by statement. You can also inspect the value of variables at each point to track what is going on in your code!</a:t>
             </a:r>
           </a:p>
@@ -11815,7 +11911,7 @@
               <a:buNone/>
             </a:pPr>
             <a:r>
-              <a:rPr lang="en"/>
+              <a:rPr lang="en" dirty="0"/>
               <a:t>Just like with CSS, your JavaScript code can either live directly in the HTML</a:t>
             </a:r>
           </a:p>
@@ -11833,7 +11929,7 @@
               <a:buNone/>
             </a:pPr>
             <a:r>
-              <a:rPr lang="en">
+              <a:rPr lang="en" sz="1400" dirty="0">
                 <a:solidFill>
                   <a:srgbClr val="0000CD"/>
                 </a:solidFill>
@@ -11859,7 +11955,7 @@
               <a:buNone/>
             </a:pPr>
             <a:r>
-              <a:rPr lang="en">
+              <a:rPr lang="en" sz="1400" dirty="0">
                 <a:solidFill>
                   <a:srgbClr val="0000CD"/>
                 </a:solidFill>
@@ -11885,7 +11981,7 @@
               <a:buNone/>
             </a:pPr>
             <a:r>
-              <a:rPr lang="en">
+              <a:rPr lang="en" sz="1400" dirty="0">
                 <a:solidFill>
                   <a:srgbClr val="0000CD"/>
                 </a:solidFill>
@@ -11911,7 +12007,7 @@
               <a:buNone/>
             </a:pPr>
             <a:r>
-              <a:rPr lang="en">
+              <a:rPr lang="en" sz="1400" dirty="0">
                 <a:solidFill>
                   <a:srgbClr val="0000CD"/>
                 </a:solidFill>
@@ -11937,7 +12033,7 @@
               <a:buNone/>
             </a:pPr>
             <a:r>
-              <a:rPr lang="en">
+              <a:rPr lang="en" sz="1400" dirty="0">
                 <a:solidFill>
                   <a:srgbClr val="0000CD"/>
                 </a:solidFill>
@@ -11959,7 +12055,7 @@
               </a:spcAft>
               <a:buNone/>
             </a:pPr>
-            <a:endParaRPr/>
+            <a:endParaRPr dirty="0"/>
           </a:p>
           <a:p>
             <a:pPr lvl="0" rtl="0">
@@ -11972,7 +12068,7 @@
               <a:buNone/>
             </a:pPr>
             <a:r>
-              <a:rPr lang="en"/>
+              <a:rPr lang="en" dirty="0"/>
               <a:t>Or in a separate file included by the HTML</a:t>
             </a:r>
           </a:p>
@@ -11987,7 +12083,7 @@
               <a:buNone/>
             </a:pPr>
             <a:r>
-              <a:rPr lang="en">
+              <a:rPr lang="en" sz="1400" dirty="0">
                 <a:solidFill>
                   <a:srgbClr val="0000CD"/>
                 </a:solidFill>
@@ -12009,7 +12105,7 @@
               </a:spcAft>
               <a:buNone/>
             </a:pPr>
-            <a:endParaRPr/>
+            <a:endParaRPr dirty="0"/>
           </a:p>
           <a:p>
             <a:pPr lvl="0" rtl="0">
@@ -12022,7 +12118,7 @@
               <a:buNone/>
             </a:pPr>
             <a:r>
-              <a:rPr lang="en"/>
+              <a:rPr lang="en" dirty="0"/>
               <a:t>Keeping your JavaScript separate is the preferred practice!</a:t>
             </a:r>
           </a:p>
@@ -12200,7 +12296,7 @@
               <a:buNone/>
             </a:pPr>
             <a:r>
-              <a:rPr lang="en" sz="1400" b="0" i="0" u="none" strike="noStrike" cap="none">
+              <a:rPr lang="en" sz="1400" b="0" i="0" u="none" strike="noStrike" cap="none" dirty="0">
                 <a:solidFill>
                   <a:srgbClr val="0000CD"/>
                 </a:solidFill>
@@ -12215,7 +12311,7 @@
               <a:t>&lt;html&gt;</a:t>
             </a:r>
             <a:br>
-              <a:rPr lang="en" sz="1400" b="0" i="0" u="none" strike="noStrike" cap="none">
+              <a:rPr lang="en" sz="1400" b="0" i="0" u="none" strike="noStrike" cap="none" dirty="0">
                 <a:solidFill>
                   <a:srgbClr val="0000CD"/>
                 </a:solidFill>
@@ -12229,7 +12325,7 @@
               </a:rPr>
             </a:br>
             <a:r>
-              <a:rPr lang="en" sz="1400">
+              <a:rPr lang="en" sz="1400" dirty="0">
                 <a:solidFill>
                   <a:srgbClr val="0000CD"/>
                 </a:solidFill>
@@ -12244,7 +12340,7 @@
               <a:t>   </a:t>
             </a:r>
             <a:r>
-              <a:rPr lang="en" sz="1400" b="0" i="0" u="none" strike="noStrike" cap="none">
+              <a:rPr lang="en" sz="1400" b="0" i="0" u="none" strike="noStrike" cap="none" dirty="0">
                 <a:solidFill>
                   <a:srgbClr val="0000CD"/>
                 </a:solidFill>
@@ -12259,7 +12355,7 @@
               <a:t>&lt;body&gt;</a:t>
             </a:r>
             <a:br>
-              <a:rPr lang="en" sz="1400" b="0" i="0" u="none" strike="noStrike" cap="none">
+              <a:rPr lang="en" sz="1400" b="0" i="0" u="none" strike="noStrike" cap="none" dirty="0">
                 <a:solidFill>
                   <a:srgbClr val="0000CD"/>
                 </a:solidFill>
@@ -12273,7 +12369,7 @@
               </a:rPr>
             </a:br>
             <a:r>
-              <a:rPr lang="en" sz="1400" b="0" i="0" u="none" strike="noStrike" cap="none">
+              <a:rPr lang="en" sz="1400" b="0" i="0" u="none" strike="noStrike" cap="none" dirty="0">
                 <a:solidFill>
                   <a:srgbClr val="0000CD"/>
                 </a:solidFill>
@@ -12288,7 +12384,7 @@
               <a:t>	&lt;p id="demo"&gt;&lt;/p&gt;</a:t>
             </a:r>
             <a:br>
-              <a:rPr lang="en" sz="1400" b="0" i="0" u="none" strike="noStrike" cap="none">
+              <a:rPr lang="en" sz="1400" b="0" i="0" u="none" strike="noStrike" cap="none" dirty="0">
                 <a:solidFill>
                   <a:srgbClr val="0000CD"/>
                 </a:solidFill>
@@ -12302,7 +12398,7 @@
               </a:rPr>
             </a:br>
             <a:r>
-              <a:rPr lang="en" sz="1400" b="0" i="0" u="none" strike="noStrike" cap="none">
+              <a:rPr lang="en" sz="1400" b="0" i="0" u="none" strike="noStrike" cap="none" dirty="0">
                 <a:solidFill>
                   <a:srgbClr val="0000CD"/>
                 </a:solidFill>
@@ -12317,7 +12413,7 @@
               <a:t>	&lt;script&gt;</a:t>
             </a:r>
             <a:br>
-              <a:rPr lang="en" sz="1400" b="0" i="0" u="none" strike="noStrike" cap="none">
+              <a:rPr lang="en" sz="1400" b="0" i="0" u="none" strike="noStrike" cap="none" dirty="0">
                 <a:solidFill>
                   <a:srgbClr val="0000CD"/>
                 </a:solidFill>
@@ -12331,7 +12427,7 @@
               </a:rPr>
             </a:br>
             <a:r>
-              <a:rPr lang="en" sz="1400" b="0" i="0" u="none" strike="noStrike" cap="none">
+              <a:rPr lang="en" sz="1400" b="0" i="0" u="none" strike="noStrike" cap="none" dirty="0">
                 <a:solidFill>
                   <a:srgbClr val="0000CD"/>
                 </a:solidFill>
@@ -12346,7 +12442,7 @@
               <a:t>document.</a:t>
             </a:r>
             <a:r>
-              <a:rPr lang="en" sz="1400" b="1" i="0" u="none" strike="noStrike" cap="none">
+              <a:rPr lang="en" sz="1400" b="1" i="0" u="none" strike="noStrike" cap="none" dirty="0">
                 <a:solidFill>
                   <a:srgbClr val="0000CD"/>
                 </a:solidFill>
@@ -12361,7 +12457,7 @@
               <a:t>getElementById</a:t>
             </a:r>
             <a:r>
-              <a:rPr lang="en" sz="1400" b="0" i="0" u="none" strike="noStrike" cap="none">
+              <a:rPr lang="en" sz="1400" b="0" i="0" u="none" strike="noStrike" cap="none" dirty="0">
                 <a:solidFill>
                   <a:srgbClr val="0000CD"/>
                 </a:solidFill>
@@ -12376,7 +12472,7 @@
               <a:t>("demo").</a:t>
             </a:r>
             <a:r>
-              <a:rPr lang="en" sz="1400" b="1" i="0" u="none" strike="noStrike" cap="none">
+              <a:rPr lang="en" sz="1400" b="1" i="0" u="none" strike="noStrike" cap="none" dirty="0">
                 <a:solidFill>
                   <a:srgbClr val="0000CD"/>
                 </a:solidFill>
@@ -12391,7 +12487,7 @@
               <a:t>innerHTML</a:t>
             </a:r>
             <a:r>
-              <a:rPr lang="en" sz="1400" b="0" i="0" u="none" strike="noStrike" cap="none">
+              <a:rPr lang="en" sz="1400" b="0" i="0" u="none" strike="noStrike" cap="none" dirty="0">
                 <a:solidFill>
                   <a:srgbClr val="0000CD"/>
                 </a:solidFill>
@@ -12406,7 +12502,7 @@
               <a:t> = "</a:t>
             </a:r>
             <a:r>
-              <a:rPr lang="en" sz="1400">
+              <a:rPr lang="en" sz="1400" dirty="0">
                 <a:solidFill>
                   <a:srgbClr val="0000CD"/>
                 </a:solidFill>
@@ -12421,7 +12517,7 @@
               <a:t>Hi!</a:t>
             </a:r>
             <a:r>
-              <a:rPr lang="en" sz="1400" b="0" i="0" u="none" strike="noStrike" cap="none">
+              <a:rPr lang="en" sz="1400" b="0" i="0" u="none" strike="noStrike" cap="none" dirty="0">
                 <a:solidFill>
                   <a:srgbClr val="0000CD"/>
                 </a:solidFill>
@@ -12455,7 +12551,7 @@
               <a:buNone/>
             </a:pPr>
             <a:r>
-              <a:rPr lang="en" sz="1400">
+              <a:rPr lang="en" sz="1400" dirty="0">
                 <a:solidFill>
                   <a:srgbClr val="0000CD"/>
                 </a:solidFill>
@@ -12470,7 +12566,7 @@
               <a:t>     </a:t>
             </a:r>
             <a:r>
-              <a:rPr lang="en" sz="1400" b="0" i="0" u="none" strike="noStrike" cap="none">
+              <a:rPr lang="en" sz="1400" b="0" i="0" u="none" strike="noStrike" cap="none" dirty="0">
                 <a:solidFill>
                   <a:srgbClr val="0000CD"/>
                 </a:solidFill>
@@ -12485,7 +12581,7 @@
               <a:t>&lt;/script&gt;</a:t>
             </a:r>
             <a:br>
-              <a:rPr lang="en" sz="1400" b="0" i="0" u="none" strike="noStrike" cap="none">
+              <a:rPr lang="en" sz="1400" b="0" i="0" u="none" strike="noStrike" cap="none" dirty="0">
                 <a:solidFill>
                   <a:srgbClr val="0000CD"/>
                 </a:solidFill>
@@ -12499,7 +12595,7 @@
               </a:rPr>
             </a:br>
             <a:r>
-              <a:rPr lang="en" sz="1400">
+              <a:rPr lang="en" sz="1400" dirty="0">
                 <a:solidFill>
                   <a:srgbClr val="0000CD"/>
                 </a:solidFill>
@@ -12514,7 +12610,7 @@
               <a:t>   </a:t>
             </a:r>
             <a:r>
-              <a:rPr lang="en" sz="1400" b="0" i="0" u="none" strike="noStrike" cap="none">
+              <a:rPr lang="en" sz="1400" b="0" i="0" u="none" strike="noStrike" cap="none" dirty="0">
                 <a:solidFill>
                   <a:srgbClr val="0000CD"/>
                 </a:solidFill>
@@ -12529,7 +12625,7 @@
               <a:t>&lt;/body&gt;</a:t>
             </a:r>
             <a:br>
-              <a:rPr lang="en" sz="1400" b="0" i="0" u="none" strike="noStrike" cap="none">
+              <a:rPr lang="en" sz="1400" b="0" i="0" u="none" strike="noStrike" cap="none" dirty="0">
                 <a:solidFill>
                   <a:srgbClr val="0000CD"/>
                 </a:solidFill>
@@ -12543,7 +12639,7 @@
               </a:rPr>
             </a:br>
             <a:r>
-              <a:rPr lang="en" sz="1400" b="0" i="0" u="none" strike="noStrike" cap="none">
+              <a:rPr lang="en" sz="1400" b="0" i="0" u="none" strike="noStrike" cap="none" dirty="0">
                 <a:solidFill>
                   <a:srgbClr val="0000CD"/>
                 </a:solidFill>
@@ -13919,30 +14015,30 @@
           </a:bodyPr>
           <a:lstStyle/>
           <a:p>
-            <a:pPr marL="457200" marR="0" lvl="0" indent="-317500" algn="l" rtl="0">
+            <a:pPr marL="139700">
               <a:lnSpc>
                 <a:spcPct val="100000"/>
               </a:lnSpc>
-              <a:spcBef>
-                <a:spcPts val="0"/>
-              </a:spcBef>
-              <a:spcAft>
-                <a:spcPts val="0"/>
-              </a:spcAft>
-              <a:buClr>
-                <a:schemeClr val="dk2"/>
-              </a:buClr>
+              <a:spcAft>
+                <a:spcPts val="0"/>
+              </a:spcAft>
               <a:buSzPct val="25000"/>
-              <a:buFont typeface="Source Code Pro"/>
-              <a:buNone/>
-            </a:pPr>
+            </a:pPr>
+            <a:r>
+              <a:rPr lang="en" b="0" i="0" u="none" strike="noStrike" cap="none" dirty="0" smtClean="0">
+                <a:solidFill>
+                  <a:schemeClr val="dk2"/>
+                </a:solidFill>
+              </a:rPr>
+              <a:t>Write </a:t>
+            </a:r>
             <a:r>
               <a:rPr lang="en" b="0" i="0" u="none" strike="noStrike" cap="none" dirty="0">
                 <a:solidFill>
                   <a:schemeClr val="dk2"/>
                 </a:solidFill>
               </a:rPr>
-              <a:t>Write directly to the HTML output stream</a:t>
+              <a:t>directly to the HTML output stream</a:t>
             </a:r>
           </a:p>
           <a:p>
@@ -13964,7 +14060,7 @@
               <a:buNone/>
             </a:pPr>
             <a:r>
-              <a:rPr lang="en" sz="1200" b="0" i="0" u="none" strike="noStrike" cap="none" dirty="0">
+              <a:rPr lang="en" b="0" i="0" u="none" strike="noStrike" cap="none" dirty="0">
                 <a:solidFill>
                   <a:srgbClr val="000000"/>
                 </a:solidFill>
@@ -14056,7 +14152,7 @@
               <a:buNone/>
             </a:pPr>
             <a:r>
-              <a:rPr lang="en" sz="1200" b="0" i="0" u="none" strike="noStrike" cap="none" dirty="0">
+              <a:rPr lang="en" b="0" i="0" u="none" strike="noStrike" cap="none" dirty="0">
                 <a:solidFill>
                   <a:srgbClr val="000000"/>
                 </a:solidFill>
@@ -14071,7 +14167,7 @@
               <a:t>document.getElementById(</a:t>
             </a:r>
             <a:r>
-              <a:rPr lang="en" sz="1200" b="0" i="0" u="none" strike="noStrike" cap="none" dirty="0">
+              <a:rPr lang="en" b="0" i="0" u="none" strike="noStrike" cap="none" dirty="0">
                 <a:solidFill>
                   <a:srgbClr val="A52A2A"/>
                 </a:solidFill>
@@ -14086,7 +14182,7 @@
               <a:t>"p1"</a:t>
             </a:r>
             <a:r>
-              <a:rPr lang="en" sz="1200" b="0" i="0" u="none" strike="noStrike" cap="none" dirty="0">
+              <a:rPr lang="en" b="0" i="0" u="none" strike="noStrike" cap="none" dirty="0">
                 <a:solidFill>
                   <a:srgbClr val="000000"/>
                 </a:solidFill>
@@ -14101,7 +14197,7 @@
               <a:t>).innerHTML = </a:t>
             </a:r>
             <a:r>
-              <a:rPr lang="en" sz="1200" b="0" i="0" u="none" strike="noStrike" cap="none" dirty="0">
+              <a:rPr lang="en" b="0" i="0" u="none" strike="noStrike" cap="none" dirty="0">
                 <a:solidFill>
                   <a:srgbClr val="A52A2A"/>
                 </a:solidFill>
@@ -14116,7 +14212,7 @@
               <a:t>"New text!"</a:t>
             </a:r>
             <a:r>
-              <a:rPr lang="en" sz="1200" b="0" i="0" u="none" strike="noStrike" cap="none" dirty="0">
+              <a:rPr lang="en" b="0" i="0" u="none" strike="noStrike" cap="none" dirty="0">
                 <a:solidFill>
                   <a:srgbClr val="000000"/>
                 </a:solidFill>
@@ -14149,7 +14245,7 @@
               <a:buFont typeface="Consolas"/>
               <a:buNone/>
             </a:pPr>
-            <a:endParaRPr sz="1200" dirty="0">
+            <a:endParaRPr dirty="0">
               <a:solidFill>
                 <a:srgbClr val="000000"/>
               </a:solidFill>
@@ -14181,7 +14277,7 @@
               <a:buNone/>
             </a:pPr>
             <a:r>
-              <a:rPr lang="en" sz="1200" b="0" i="0" u="none" strike="noStrike" cap="none" dirty="0">
+              <a:rPr lang="en" b="0" i="0" u="none" strike="noStrike" cap="none" dirty="0">
                 <a:solidFill>
                   <a:srgbClr val="0000CD"/>
                 </a:solidFill>
@@ -14196,7 +14292,7 @@
               <a:t>var</a:t>
             </a:r>
             <a:r>
-              <a:rPr lang="en" sz="1200" b="0" i="0" u="none" strike="noStrike" cap="none" dirty="0">
+              <a:rPr lang="en" b="0" i="0" u="none" strike="noStrike" cap="none" dirty="0">
                 <a:solidFill>
                   <a:srgbClr val="000000"/>
                 </a:solidFill>
@@ -14211,7 +14307,7 @@
               <a:t> element = document.getElementById(</a:t>
             </a:r>
             <a:r>
-              <a:rPr lang="en" sz="1200" b="0" i="0" u="none" strike="noStrike" cap="none" dirty="0">
+              <a:rPr lang="en" b="0" i="0" u="none" strike="noStrike" cap="none" dirty="0">
                 <a:solidFill>
                   <a:srgbClr val="A52A2A"/>
                 </a:solidFill>
@@ -14226,7 +14322,7 @@
               <a:t>"my</a:t>
             </a:r>
             <a:r>
-              <a:rPr lang="en" sz="1200" dirty="0">
+              <a:rPr lang="en" dirty="0">
                 <a:solidFill>
                   <a:srgbClr val="A52A2A"/>
                 </a:solidFill>
@@ -14241,7 +14337,7 @@
               <a:t>-h</a:t>
             </a:r>
             <a:r>
-              <a:rPr lang="en" sz="1200" b="0" i="0" u="none" strike="noStrike" cap="none" dirty="0">
+              <a:rPr lang="en" b="0" i="0" u="none" strike="noStrike" cap="none" dirty="0">
                 <a:solidFill>
                   <a:srgbClr val="A52A2A"/>
                 </a:solidFill>
@@ -14256,7 +14352,7 @@
               <a:t>eader"</a:t>
             </a:r>
             <a:r>
-              <a:rPr lang="en" sz="1200" b="0" i="0" u="none" strike="noStrike" cap="none" dirty="0">
+              <a:rPr lang="en" b="0" i="0" u="none" strike="noStrike" cap="none" dirty="0">
                 <a:solidFill>
                   <a:srgbClr val="000000"/>
                 </a:solidFill>
@@ -14290,7 +14386,7 @@
               <a:buNone/>
             </a:pPr>
             <a:r>
-              <a:rPr lang="en" sz="1200" b="0" i="0" u="none" strike="noStrike" cap="none" dirty="0">
+              <a:rPr lang="en" b="0" i="0" u="none" strike="noStrike" cap="none" dirty="0">
                 <a:solidFill>
                   <a:srgbClr val="000000"/>
                 </a:solidFill>
@@ -14305,7 +14401,7 @@
               <a:t>element.innerHTML = </a:t>
             </a:r>
             <a:r>
-              <a:rPr lang="en" sz="1200" b="0" i="0" u="none" strike="noStrike" cap="none" dirty="0">
+              <a:rPr lang="en" b="0" i="0" u="none" strike="noStrike" cap="none" dirty="0">
                 <a:solidFill>
                   <a:srgbClr val="A52A2A"/>
                 </a:solidFill>
@@ -14320,7 +14416,7 @@
               <a:t>"New Header"</a:t>
             </a:r>
             <a:r>
-              <a:rPr lang="en" sz="1200" b="0" i="0" u="none" strike="noStrike" cap="none" dirty="0">
+              <a:rPr lang="en" b="0" i="0" u="none" strike="noStrike" cap="none" dirty="0">
                 <a:solidFill>
                   <a:srgbClr val="000000"/>
                 </a:solidFill>
@@ -14384,7 +14480,7 @@
               <a:buNone/>
             </a:pPr>
             <a:r>
-              <a:rPr lang="en" sz="1200" b="0" i="0" u="none" strike="noStrike" cap="none" dirty="0">
+              <a:rPr lang="en" b="0" i="0" u="none" strike="noStrike" cap="none" dirty="0">
                 <a:solidFill>
                   <a:srgbClr val="000000"/>
                 </a:solidFill>
@@ -14399,7 +14495,7 @@
               <a:t>document.getElementById(</a:t>
             </a:r>
             <a:r>
-              <a:rPr lang="en" sz="1200" b="0" i="0" u="none" strike="noStrike" cap="none" dirty="0">
+              <a:rPr lang="en" b="0" i="0" u="none" strike="noStrike" cap="none" dirty="0">
                 <a:solidFill>
                   <a:srgbClr val="A52A2A"/>
                 </a:solidFill>
@@ -14414,7 +14510,7 @@
               <a:t>"my</a:t>
             </a:r>
             <a:r>
-              <a:rPr lang="en" sz="1200" dirty="0">
+              <a:rPr lang="en" dirty="0">
                 <a:solidFill>
                   <a:srgbClr val="A52A2A"/>
                 </a:solidFill>
@@ -14429,7 +14525,7 @@
               <a:t>-i</a:t>
             </a:r>
             <a:r>
-              <a:rPr lang="en" sz="1200" b="0" i="0" u="none" strike="noStrike" cap="none" dirty="0">
+              <a:rPr lang="en" b="0" i="0" u="none" strike="noStrike" cap="none" dirty="0">
                 <a:solidFill>
                   <a:srgbClr val="A52A2A"/>
                 </a:solidFill>
@@ -14444,7 +14540,7 @@
               <a:t>mage"</a:t>
             </a:r>
             <a:r>
-              <a:rPr lang="en" sz="1200" b="0" i="0" u="none" strike="noStrike" cap="none" dirty="0">
+              <a:rPr lang="en" b="0" i="0" u="none" strike="noStrike" cap="none" dirty="0">
                 <a:solidFill>
                   <a:srgbClr val="000000"/>
                 </a:solidFill>
@@ -14459,7 +14555,7 @@
               <a:t>).src = </a:t>
             </a:r>
             <a:r>
-              <a:rPr lang="en" sz="1200" b="0" i="0" u="none" strike="noStrike" cap="none" dirty="0">
+              <a:rPr lang="en" b="0" i="0" u="none" strike="noStrike" cap="none" dirty="0">
                 <a:solidFill>
                   <a:srgbClr val="A52A2A"/>
                 </a:solidFill>
@@ -14474,7 +14570,7 @@
               <a:t>"landscape.jpg"</a:t>
             </a:r>
             <a:r>
-              <a:rPr lang="en" sz="1200" b="0" i="0" u="none" strike="noStrike" cap="none" dirty="0">
+              <a:rPr lang="en" b="0" i="0" u="none" strike="noStrike" cap="none" dirty="0">
                 <a:solidFill>
                   <a:srgbClr val="000000"/>
                 </a:solidFill>
@@ -14678,91 +14774,91 @@
               <a:buNone/>
             </a:pPr>
             <a:r>
-              <a:rPr lang="en" sz="1200" b="0" i="0" u="none" strike="noStrike" cap="none" dirty="0" smtClean="0">
+              <a:rPr lang="en" sz="1400" b="0" i="0" u="none" strike="noStrike" cap="none" dirty="0" smtClean="0">
                 <a:solidFill>
                   <a:srgbClr val="000000"/>
                 </a:solidFill>
                 <a:highlight>
                   <a:srgbClr val="FFFFFF"/>
                 </a:highlight>
-                <a:latin typeface="Source Code Pro"/>
+                <a:latin typeface="Consolas"/>
                 <a:ea typeface="Source Code Pro"/>
-                <a:cs typeface="Source Code Pro"/>
+                <a:cs typeface="Consolas"/>
                 <a:sym typeface="Source Code Pro"/>
               </a:rPr>
               <a:t>document.getElementById</a:t>
             </a:r>
             <a:r>
-              <a:rPr lang="en" sz="1200" b="0" i="0" u="none" strike="noStrike" cap="none" dirty="0">
+              <a:rPr lang="en" sz="1400" b="0" i="0" u="none" strike="noStrike" cap="none" dirty="0">
                 <a:solidFill>
                   <a:srgbClr val="000000"/>
                 </a:solidFill>
                 <a:highlight>
                   <a:srgbClr val="FFFFFF"/>
                 </a:highlight>
-                <a:latin typeface="Source Code Pro"/>
+                <a:latin typeface="Consolas"/>
                 <a:ea typeface="Source Code Pro"/>
-                <a:cs typeface="Source Code Pro"/>
+                <a:cs typeface="Consolas"/>
                 <a:sym typeface="Source Code Pro"/>
               </a:rPr>
               <a:t>(</a:t>
             </a:r>
             <a:r>
-              <a:rPr lang="en" sz="1200" b="0" i="0" u="none" strike="noStrike" cap="none" dirty="0">
+              <a:rPr lang="en" sz="1400" b="0" i="0" u="none" strike="noStrike" cap="none" dirty="0">
                 <a:solidFill>
                   <a:srgbClr val="A52A2A"/>
                 </a:solidFill>
                 <a:highlight>
                   <a:srgbClr val="FFFFFF"/>
                 </a:highlight>
-                <a:latin typeface="Source Code Pro"/>
+                <a:latin typeface="Consolas"/>
                 <a:ea typeface="Source Code Pro"/>
-                <a:cs typeface="Source Code Pro"/>
+                <a:cs typeface="Consolas"/>
                 <a:sym typeface="Source Code Pro"/>
               </a:rPr>
               <a:t>"p2"</a:t>
             </a:r>
             <a:r>
-              <a:rPr lang="en" sz="1200" b="0" i="0" u="none" strike="noStrike" cap="none" dirty="0">
+              <a:rPr lang="en" sz="1400" b="0" i="0" u="none" strike="noStrike" cap="none" dirty="0">
                 <a:solidFill>
                   <a:srgbClr val="000000"/>
                 </a:solidFill>
                 <a:highlight>
                   <a:srgbClr val="FFFFFF"/>
                 </a:highlight>
-                <a:latin typeface="Source Code Pro"/>
+                <a:latin typeface="Consolas"/>
                 <a:ea typeface="Source Code Pro"/>
-                <a:cs typeface="Source Code Pro"/>
+                <a:cs typeface="Consolas"/>
                 <a:sym typeface="Source Code Pro"/>
               </a:rPr>
               <a:t>).style.color = </a:t>
             </a:r>
             <a:r>
-              <a:rPr lang="en" sz="1200" b="0" i="0" u="none" strike="noStrike" cap="none" dirty="0">
+              <a:rPr lang="en" sz="1400" b="0" i="0" u="none" strike="noStrike" cap="none" dirty="0">
                 <a:solidFill>
                   <a:srgbClr val="A52A2A"/>
                 </a:solidFill>
                 <a:highlight>
                   <a:srgbClr val="FFFFFF"/>
                 </a:highlight>
-                <a:latin typeface="Source Code Pro"/>
+                <a:latin typeface="Consolas"/>
                 <a:ea typeface="Source Code Pro"/>
-                <a:cs typeface="Source Code Pro"/>
+                <a:cs typeface="Consolas"/>
                 <a:sym typeface="Source Code Pro"/>
               </a:rPr>
               <a:t>"blue"</a:t>
             </a:r>
             <a:r>
-              <a:rPr lang="en" sz="1200" b="0" i="0" u="none" strike="noStrike" cap="none" dirty="0">
+              <a:rPr lang="en" sz="1400" b="0" i="0" u="none" strike="noStrike" cap="none" dirty="0">
                 <a:solidFill>
                   <a:srgbClr val="000000"/>
                 </a:solidFill>
                 <a:highlight>
                   <a:srgbClr val="FFFFFF"/>
                 </a:highlight>
-                <a:latin typeface="Source Code Pro"/>
+                <a:latin typeface="Consolas"/>
                 <a:ea typeface="Source Code Pro"/>
-                <a:cs typeface="Source Code Pro"/>
+                <a:cs typeface="Consolas"/>
                 <a:sym typeface="Source Code Pro"/>
               </a:rPr>
               <a:t>;</a:t>
@@ -14840,165 +14936,135 @@
               <a:buNone/>
             </a:pPr>
             <a:r>
-              <a:rPr lang="en" sz="1200" dirty="0" smtClean="0">
+              <a:rPr lang="en" sz="1400" dirty="0" smtClean="0">
                 <a:solidFill>
                   <a:srgbClr val="0000CD"/>
                 </a:solidFill>
                 <a:highlight>
                   <a:srgbClr val="FFFFFF"/>
                 </a:highlight>
-                <a:latin typeface="Source Code Pro"/>
+                <a:latin typeface="Consolas"/>
                 <a:ea typeface="Source Code Pro"/>
-                <a:cs typeface="Source Code Pro"/>
+                <a:cs typeface="Consolas"/>
                 <a:sym typeface="Source Code Pro"/>
               </a:rPr>
               <a:t>var</a:t>
             </a:r>
             <a:r>
-              <a:rPr lang="en" sz="1200" dirty="0" smtClean="0">
+              <a:rPr lang="en" sz="1400" dirty="0" smtClean="0">
                 <a:solidFill>
                   <a:srgbClr val="000000"/>
                 </a:solidFill>
                 <a:highlight>
                   <a:srgbClr val="FFFFFF"/>
                 </a:highlight>
-                <a:latin typeface="Source Code Pro"/>
+                <a:latin typeface="Consolas"/>
                 <a:ea typeface="Source Code Pro"/>
-                <a:cs typeface="Source Code Pro"/>
+                <a:cs typeface="Consolas"/>
                 <a:sym typeface="Source Code Pro"/>
               </a:rPr>
               <a:t> </a:t>
             </a:r>
             <a:r>
-              <a:rPr lang="en" sz="1200" dirty="0">
+              <a:rPr lang="en" sz="1400" dirty="0">
                 <a:solidFill>
                   <a:srgbClr val="000000"/>
                 </a:solidFill>
                 <a:highlight>
                   <a:srgbClr val="FFFFFF"/>
                 </a:highlight>
-                <a:latin typeface="Source Code Pro"/>
+                <a:latin typeface="Consolas"/>
                 <a:ea typeface="Source Code Pro"/>
-                <a:cs typeface="Source Code Pro"/>
+                <a:cs typeface="Consolas"/>
                 <a:sym typeface="Source Code Pro"/>
               </a:rPr>
               <a:t>para = document.createElement(</a:t>
             </a:r>
             <a:r>
-              <a:rPr lang="en" sz="1200" dirty="0">
+              <a:rPr lang="en" sz="1400" dirty="0">
                 <a:solidFill>
                   <a:srgbClr val="A52A2A"/>
                 </a:solidFill>
                 <a:highlight>
                   <a:srgbClr val="FFFFFF"/>
                 </a:highlight>
-                <a:latin typeface="Source Code Pro"/>
+                <a:latin typeface="Consolas"/>
                 <a:ea typeface="Source Code Pro"/>
-                <a:cs typeface="Source Code Pro"/>
+                <a:cs typeface="Consolas"/>
                 <a:sym typeface="Source Code Pro"/>
               </a:rPr>
               <a:t>"p"</a:t>
             </a:r>
             <a:r>
-              <a:rPr lang="en" sz="1200" dirty="0">
+              <a:rPr lang="en" sz="1400" dirty="0">
                 <a:solidFill>
                   <a:srgbClr val="000000"/>
                 </a:solidFill>
                 <a:highlight>
                   <a:srgbClr val="FFFFFF"/>
                 </a:highlight>
-                <a:latin typeface="Source Code Pro"/>
+                <a:latin typeface="Consolas"/>
                 <a:ea typeface="Source Code Pro"/>
-                <a:cs typeface="Source Code Pro"/>
+                <a:cs typeface="Consolas"/>
                 <a:sym typeface="Source Code Pro"/>
               </a:rPr>
-              <a:t>);                       </a:t>
-            </a:r>
-            <a:r>
-              <a:rPr lang="en-US" sz="1200" dirty="0">
-                <a:solidFill>
-                  <a:srgbClr val="000000"/>
+              <a:t>);                   </a:t>
+            </a:r>
+            <a:r>
+              <a:rPr lang="en" sz="1400" dirty="0" smtClean="0">
+                <a:solidFill>
+                  <a:srgbClr val="999999"/>
                 </a:solidFill>
                 <a:highlight>
                   <a:srgbClr val="FFFFFF"/>
                 </a:highlight>
-                <a:latin typeface="Source Code Pro"/>
+                <a:latin typeface="Consolas"/>
                 <a:ea typeface="Source Code Pro"/>
-                <a:cs typeface="Source Code Pro"/>
+                <a:cs typeface="Consolas"/>
                 <a:sym typeface="Source Code Pro"/>
               </a:rPr>
-              <a:t> </a:t>
-            </a:r>
-            <a:r>
-              <a:rPr lang="en-US" sz="1200" dirty="0" smtClean="0">
-                <a:solidFill>
-                  <a:srgbClr val="000000"/>
+              <a:t>// </a:t>
+            </a:r>
+            <a:r>
+              <a:rPr lang="en" sz="1400" dirty="0">
+                <a:solidFill>
+                  <a:srgbClr val="999999"/>
                 </a:solidFill>
                 <a:highlight>
                   <a:srgbClr val="FFFFFF"/>
                 </a:highlight>
-                <a:latin typeface="Source Code Pro"/>
+                <a:latin typeface="Consolas"/>
                 <a:ea typeface="Source Code Pro"/>
-                <a:cs typeface="Source Code Pro"/>
+                <a:cs typeface="Consolas"/>
                 <a:sym typeface="Source Code Pro"/>
               </a:rPr>
-              <a:t>        </a:t>
-            </a:r>
-            <a:r>
-              <a:rPr lang="en" sz="1200" dirty="0" smtClean="0">
+              <a:t>Create a &lt;p&gt; </a:t>
+            </a:r>
+            <a:r>
+              <a:rPr lang="en" sz="1400" dirty="0" smtClean="0">
                 <a:solidFill>
                   <a:srgbClr val="999999"/>
                 </a:solidFill>
                 <a:highlight>
                   <a:srgbClr val="FFFFFF"/>
                 </a:highlight>
-                <a:latin typeface="Source Code Pro"/>
+                <a:latin typeface="Consolas"/>
                 <a:ea typeface="Source Code Pro"/>
-                <a:cs typeface="Source Code Pro"/>
+                <a:cs typeface="Consolas"/>
                 <a:sym typeface="Source Code Pro"/>
               </a:rPr>
-              <a:t>// </a:t>
-            </a:r>
-            <a:r>
-              <a:rPr lang="en" sz="1200" dirty="0">
-                <a:solidFill>
-                  <a:srgbClr val="999999"/>
-                </a:solidFill>
-                <a:highlight>
-                  <a:srgbClr val="FFFFFF"/>
-                </a:highlight>
-                <a:latin typeface="Source Code Pro"/>
-                <a:ea typeface="Source Code Pro"/>
-                <a:cs typeface="Source Code Pro"/>
-                <a:sym typeface="Source Code Pro"/>
-              </a:rPr>
-              <a:t>Create a &lt;p&gt; </a:t>
-            </a:r>
-            <a:r>
-              <a:rPr lang="en" sz="1200" dirty="0" smtClean="0">
-                <a:solidFill>
-                  <a:srgbClr val="999999"/>
-                </a:solidFill>
-                <a:highlight>
-                  <a:srgbClr val="FFFFFF"/>
-                </a:highlight>
-                <a:latin typeface="Source Code Pro"/>
-                <a:ea typeface="Source Code Pro"/>
-                <a:cs typeface="Source Code Pro"/>
-                <a:sym typeface="Source Code Pro"/>
-              </a:rPr>
               <a:t>element</a:t>
             </a:r>
-            <a:endParaRPr lang="en-US" sz="1200" dirty="0" smtClean="0">
+            <a:endParaRPr lang="en-US" sz="1400" dirty="0" smtClean="0">
               <a:solidFill>
                 <a:srgbClr val="999999"/>
               </a:solidFill>
               <a:highlight>
                 <a:srgbClr val="FFFFFF"/>
               </a:highlight>
-              <a:latin typeface="Source Code Pro"/>
+              <a:latin typeface="Consolas"/>
               <a:ea typeface="Source Code Pro"/>
-              <a:cs typeface="Source Code Pro"/>
+              <a:cs typeface="Consolas"/>
               <a:sym typeface="Source Code Pro"/>
             </a:endParaRPr>
           </a:p>
@@ -15021,90 +15087,105 @@
               <a:buNone/>
             </a:pPr>
             <a:r>
-              <a:rPr lang="en" sz="1200" dirty="0" smtClean="0">
+              <a:rPr lang="en" sz="1400" dirty="0" smtClean="0">
                 <a:solidFill>
                   <a:srgbClr val="0000CD"/>
                 </a:solidFill>
                 <a:highlight>
                   <a:srgbClr val="FFFFFF"/>
                 </a:highlight>
-                <a:latin typeface="Source Code Pro"/>
+                <a:latin typeface="Consolas"/>
                 <a:ea typeface="Source Code Pro"/>
-                <a:cs typeface="Source Code Pro"/>
+                <a:cs typeface="Consolas"/>
                 <a:sym typeface="Source Code Pro"/>
               </a:rPr>
               <a:t>var</a:t>
             </a:r>
             <a:r>
-              <a:rPr lang="en" sz="1200" dirty="0" smtClean="0">
+              <a:rPr lang="en" sz="1400" dirty="0" smtClean="0">
                 <a:solidFill>
                   <a:srgbClr val="000000"/>
                 </a:solidFill>
                 <a:highlight>
                   <a:srgbClr val="FFFFFF"/>
                 </a:highlight>
-                <a:latin typeface="Source Code Pro"/>
+                <a:latin typeface="Consolas"/>
                 <a:ea typeface="Source Code Pro"/>
-                <a:cs typeface="Source Code Pro"/>
+                <a:cs typeface="Consolas"/>
                 <a:sym typeface="Source Code Pro"/>
               </a:rPr>
               <a:t> t = document.createTextNode(</a:t>
             </a:r>
             <a:r>
-              <a:rPr lang="en" sz="1200" dirty="0" smtClean="0">
+              <a:rPr lang="en" sz="1400" dirty="0" smtClean="0">
                 <a:solidFill>
                   <a:srgbClr val="A52A2A"/>
                 </a:solidFill>
                 <a:highlight>
                   <a:srgbClr val="FFFFFF"/>
                 </a:highlight>
-                <a:latin typeface="Source Code Pro"/>
+                <a:latin typeface="Consolas"/>
                 <a:ea typeface="Source Code Pro"/>
-                <a:cs typeface="Source Code Pro"/>
+                <a:cs typeface="Consolas"/>
                 <a:sym typeface="Source Code Pro"/>
               </a:rPr>
               <a:t>"This is a paragraph."</a:t>
             </a:r>
             <a:r>
-              <a:rPr lang="en" sz="1200" dirty="0" smtClean="0">
+              <a:rPr lang="en" sz="1400" dirty="0" smtClean="0">
                 <a:solidFill>
                   <a:srgbClr val="000000"/>
                 </a:solidFill>
                 <a:highlight>
                   <a:srgbClr val="FFFFFF"/>
                 </a:highlight>
-                <a:latin typeface="Source Code Pro"/>
+                <a:latin typeface="Consolas"/>
                 <a:ea typeface="Source Code Pro"/>
-                <a:cs typeface="Source Code Pro"/>
+                <a:cs typeface="Consolas"/>
                 <a:sym typeface="Source Code Pro"/>
               </a:rPr>
-              <a:t>);      </a:t>
-            </a:r>
-            <a:r>
-              <a:rPr lang="en" sz="1200" dirty="0" smtClean="0">
+              <a:t>);  </a:t>
+            </a:r>
+            <a:r>
+              <a:rPr lang="en" sz="1400" dirty="0" smtClean="0">
                 <a:solidFill>
                   <a:srgbClr val="999999"/>
                 </a:solidFill>
                 <a:highlight>
                   <a:srgbClr val="FFFFFF"/>
                 </a:highlight>
-                <a:latin typeface="Source Code Pro"/>
+                <a:latin typeface="Consolas"/>
                 <a:ea typeface="Source Code Pro"/>
-                <a:cs typeface="Source Code Pro"/>
+                <a:cs typeface="Consolas"/>
                 <a:sym typeface="Source Code Pro"/>
               </a:rPr>
-              <a:t>// Create a text node</a:t>
-            </a:r>
-            <a:endParaRPr lang="en-US" sz="1200" dirty="0" smtClean="0">
+              <a:t>// </a:t>
+            </a:r>
+            <a:r>
+              <a:rPr lang="en" sz="1400" dirty="0" smtClean="0">
+                <a:solidFill>
+                  <a:srgbClr val="999999"/>
+                </a:solidFill>
+                <a:highlight>
+                  <a:srgbClr val="FFFFFF"/>
+                </a:highlight>
+                <a:latin typeface="Consolas"/>
+                <a:ea typeface="Source Code Pro"/>
+                <a:cs typeface="Consolas"/>
+                <a:sym typeface="Source Code Pro"/>
+              </a:rPr>
+              <a:t>Create a text node</a:t>
+            </a:r>
+            <a:endParaRPr lang="en-US" sz="1400" dirty="0" smtClean="0">
               <a:solidFill>
                 <a:srgbClr val="999999"/>
               </a:solidFill>
               <a:highlight>
                 <a:srgbClr val="FFFFFF"/>
               </a:highlight>
-              <a:latin typeface="Source Code Pro"/>
+              <a:latin typeface="Consolas"/>
               <a:ea typeface="Source Code Pro"/>
-              <a:cs typeface="Source Code Pro"/>
+              <a:cs typeface="Consolas"/>
               <a:sym typeface="Source Code Pro"/>
             </a:endParaRPr>
           </a:p>
@@ -15127,76 +15208,61 @@
               <a:buNone/>
             </a:pPr>
             <a:r>
-              <a:rPr lang="en" sz="1200" dirty="0" smtClean="0">
+              <a:rPr lang="en" sz="1400" dirty="0" smtClean="0">
                 <a:solidFill>
                   <a:srgbClr val="000000"/>
                 </a:solidFill>
                 <a:highlight>
                   <a:srgbClr val="FFFFFF"/>
                 </a:highlight>
-                <a:latin typeface="Source Code Pro"/>
+                <a:latin typeface="Consolas"/>
                 <a:ea typeface="Source Code Pro"/>
-                <a:cs typeface="Source Code Pro"/>
+                <a:cs typeface="Consolas"/>
                 <a:sym typeface="Source Code Pro"/>
               </a:rPr>
               <a:t>para.appendChild(t</a:t>
             </a:r>
             <a:r>
-              <a:rPr lang="en" sz="1200" dirty="0">
+              <a:rPr lang="en" sz="1400" dirty="0">
                 <a:solidFill>
                   <a:srgbClr val="000000"/>
                 </a:solidFill>
                 <a:highlight>
                   <a:srgbClr val="FFFFFF"/>
                 </a:highlight>
-                <a:latin typeface="Source Code Pro"/>
+                <a:latin typeface="Consolas"/>
                 <a:ea typeface="Source Code Pro"/>
-                <a:cs typeface="Source Code Pro"/>
+                <a:cs typeface="Consolas"/>
                 <a:sym typeface="Source Code Pro"/>
               </a:rPr>
-              <a:t>);                                          </a:t>
-            </a:r>
-            <a:r>
-              <a:rPr lang="en-US" sz="1200" dirty="0" smtClean="0">
-                <a:solidFill>
-                  <a:srgbClr val="000000"/>
+              <a:t>);                                      </a:t>
+            </a:r>
+            <a:r>
+              <a:rPr lang="en" sz="1400" dirty="0" smtClean="0">
+                <a:solidFill>
+                  <a:srgbClr val="999999"/>
                 </a:solidFill>
                 <a:highlight>
                   <a:srgbClr val="FFFFFF"/>
                 </a:highlight>
-                <a:latin typeface="Source Code Pro"/>
+                <a:latin typeface="Consolas"/>
                 <a:ea typeface="Source Code Pro"/>
-                <a:cs typeface="Source Code Pro"/>
+                <a:cs typeface="Consolas"/>
                 <a:sym typeface="Source Code Pro"/>
               </a:rPr>
-              <a:t>	              </a:t>
-            </a:r>
-            <a:r>
-              <a:rPr lang="en" sz="1200" dirty="0" smtClean="0">
+              <a:t>// </a:t>
+            </a:r>
+            <a:r>
+              <a:rPr lang="en" sz="1400" dirty="0">
                 <a:solidFill>
                   <a:srgbClr val="999999"/>
                 </a:solidFill>
                 <a:highlight>
                   <a:srgbClr val="FFFFFF"/>
                 </a:highlight>
-                <a:latin typeface="Source Code Pro"/>
+                <a:latin typeface="Consolas"/>
                 <a:ea typeface="Source Code Pro"/>
-                <a:cs typeface="Source Code Pro"/>
-                <a:sym typeface="Source Code Pro"/>
-              </a:rPr>
-              <a:t>// </a:t>
-            </a:r>
-            <a:r>
-              <a:rPr lang="en" sz="1200" dirty="0">
-                <a:solidFill>
-                  <a:srgbClr val="999999"/>
-                </a:solidFill>
-                <a:highlight>
-                  <a:srgbClr val="FFFFFF"/>
-                </a:highlight>
-                <a:latin typeface="Source Code Pro"/>
-                <a:ea typeface="Source Code Pro"/>
-                <a:cs typeface="Source Code Pro"/>
+                <a:cs typeface="Consolas"/>
                 <a:sym typeface="Source Code Pro"/>
               </a:rPr>
               <a:t>Append the text to &lt;p&gt;</a:t>
@@ -15332,7 +15398,7 @@
               <a:rPr lang="en" dirty="0"/>
             </a:br>
             <a:r>
-              <a:rPr lang="en" dirty="0">
+              <a:rPr lang="en" sz="1400" dirty="0">
                 <a:solidFill>
                   <a:srgbClr val="303336"/>
                 </a:solidFill>
@@ -15344,7 +15410,7 @@
               <a:t>document.addEventListener(</a:t>
             </a:r>
             <a:r>
-              <a:rPr lang="en" dirty="0">
+              <a:rPr lang="en" sz="1400" dirty="0">
                 <a:solidFill>
                   <a:srgbClr val="7D2727"/>
                 </a:solidFill>
@@ -15356,7 +15422,7 @@
               <a:t>"DOMContentLoaded"</a:t>
             </a:r>
             <a:r>
-              <a:rPr lang="en" dirty="0">
+              <a:rPr lang="en" sz="1400" dirty="0">
                 <a:solidFill>
                   <a:srgbClr val="303336"/>
                 </a:solidFill>
@@ -15368,7 +15434,7 @@
               <a:t>, </a:t>
             </a:r>
             <a:r>
-              <a:rPr lang="en" dirty="0">
+              <a:rPr lang="en" sz="1400" dirty="0">
                 <a:solidFill>
                   <a:srgbClr val="101094"/>
                 </a:solidFill>
@@ -15380,7 +15446,7 @@
               <a:t>function</a:t>
             </a:r>
             <a:r>
-              <a:rPr lang="en" dirty="0">
+              <a:rPr lang="en" sz="1400" dirty="0">
                 <a:solidFill>
                   <a:srgbClr val="303336"/>
                 </a:solidFill>
@@ -15392,7 +15458,7 @@
               <a:t>(</a:t>
             </a:r>
             <a:r>
-              <a:rPr lang="en" dirty="0">
+              <a:rPr lang="en" sz="1400" dirty="0">
                 <a:solidFill>
                   <a:srgbClr val="101094"/>
                 </a:solidFill>
@@ -15404,7 +15470,7 @@
               <a:t>event</a:t>
             </a:r>
             <a:r>
-              <a:rPr lang="en" dirty="0">
+              <a:rPr lang="en" sz="1400" dirty="0">
                 <a:solidFill>
                   <a:srgbClr val="303336"/>
                 </a:solidFill>
@@ -15430,7 +15496,7 @@
               <a:buNone/>
             </a:pPr>
             <a:r>
-              <a:rPr lang="en" dirty="0">
+              <a:rPr lang="en" sz="1400" dirty="0">
                 <a:solidFill>
                   <a:srgbClr val="303336"/>
                 </a:solidFill>
@@ -15442,7 +15508,7 @@
               <a:t>  </a:t>
             </a:r>
             <a:r>
-              <a:rPr lang="en" dirty="0">
+              <a:rPr lang="en" sz="1400" dirty="0">
                 <a:solidFill>
                   <a:srgbClr val="858C93"/>
                 </a:solidFill>
@@ -15468,7 +15534,7 @@
               <a:buNone/>
             </a:pPr>
             <a:r>
-              <a:rPr lang="en" dirty="0">
+              <a:rPr lang="en" sz="1400" dirty="0">
                 <a:solidFill>
                   <a:srgbClr val="303336"/>
                 </a:solidFill>

--- a/Curriculum/Week_2/Lectures/2.2_JavaScript_Interacting_with_HTML.pptx
+++ b/Curriculum/Week_2/Lectures/2.2_JavaScript_Interacting_with_HTML.pptx
@@ -1,6 +1,6 @@
 
 <file path=ppt/presentation.xml><?xml version="1.0" encoding="utf-8"?>
-<p:presentation xmlns:a="http://schemas.openxmlformats.org/drawingml/2006/main" xmlns:r="http://schemas.openxmlformats.org/officeDocument/2006/relationships" xmlns:p="http://schemas.openxmlformats.org/presentationml/2006/main" strictFirstAndLastChars="0" embedTrueTypeFonts="1" saveSubsetFonts="1" autoCompressPictures="0">
+<p:presentation xmlns:a="http://schemas.openxmlformats.org/drawingml/2006/main" xmlns:r="http://schemas.openxmlformats.org/officeDocument/2006/relationships" xmlns:p="http://schemas.openxmlformats.org/presentationml/2006/main" strictFirstAndLastChars="0" saveSubsetFonts="1" autoCompressPictures="0">
   <p:sldMasterIdLst>
     <p:sldMasterId id="2147483659" r:id="rId1"/>
   </p:sldMasterIdLst>
@@ -237,6 +237,22 @@
       </a:defRPr>
     </a:lvl9pPr>
   </p:defaultTextStyle>
+  <p:extLst>
+    <p:ext uri="{EFAFB233-063F-42B5-8137-9DF3F51BA10A}">
+      <p15:sldGuideLst xmlns:p15="http://schemas.microsoft.com/office/powerpoint/2012/main">
+        <p15:guide id="1" orient="horz" pos="1620">
+          <p15:clr>
+            <a:srgbClr val="A4A3A4"/>
+          </p15:clr>
+        </p15:guide>
+        <p15:guide id="2" pos="2880">
+          <p15:clr>
+            <a:srgbClr val="A4A3A4"/>
+          </p15:clr>
+        </p15:guide>
+      </p15:sldGuideLst>
+    </p:ext>
+  </p:extLst>
 </p:presentation>
 </file>
 
@@ -1038,13 +1054,98 @@
           </a:bodyPr>
           <a:lstStyle/>
           <a:p>
-            <a:pPr lvl="0">
-              <a:spcBef>
-                <a:spcPts val="0"/>
-              </a:spcBef>
-              <a:buNone/>
-            </a:pPr>
-            <a:endParaRPr/>
+            <a:r>
+              <a:rPr lang="en-US" sz="1100" kern="1200" dirty="0" smtClean="0">
+                <a:solidFill>
+                  <a:schemeClr val="tx1"/>
+                </a:solidFill>
+                <a:effectLst/>
+                <a:latin typeface="+mn-lt"/>
+                <a:ea typeface="+mn-ea"/>
+                <a:cs typeface="+mn-cs"/>
+              </a:rPr>
+              <a:t>Breakdown different segments of the whole function call so it is more clear what each part represents, for example:</a:t>
+            </a:r>
+          </a:p>
+          <a:p>
+            <a:r>
+              <a:rPr lang="en-US" sz="1100" kern="1200" dirty="0" smtClean="0">
+                <a:solidFill>
+                  <a:schemeClr val="tx1"/>
+                </a:solidFill>
+                <a:effectLst/>
+                <a:latin typeface="+mn-lt"/>
+                <a:ea typeface="+mn-ea"/>
+                <a:cs typeface="+mn-cs"/>
+              </a:rPr>
+              <a:t>&lt;B - to this element&gt;.</a:t>
+            </a:r>
+            <a:r>
+              <a:rPr lang="en-US" sz="1100" kern="1200" dirty="0" err="1" smtClean="0">
+                <a:solidFill>
+                  <a:schemeClr val="tx1"/>
+                </a:solidFill>
+                <a:effectLst/>
+                <a:latin typeface="+mn-lt"/>
+                <a:ea typeface="+mn-ea"/>
+                <a:cs typeface="+mn-cs"/>
+              </a:rPr>
+              <a:t>addEventListener</a:t>
+            </a:r>
+            <a:r>
+              <a:rPr lang="en-US" sz="1100" kern="1200" dirty="0" smtClean="0">
+                <a:solidFill>
+                  <a:schemeClr val="tx1"/>
+                </a:solidFill>
+                <a:effectLst/>
+                <a:latin typeface="+mn-lt"/>
+                <a:ea typeface="+mn-ea"/>
+                <a:cs typeface="+mn-cs"/>
+              </a:rPr>
+              <a:t>(&lt;A - when user does this&gt;, &lt;C - then make these changes&gt;)</a:t>
+            </a:r>
+          </a:p>
+          <a:p>
+            <a:r>
+              <a:rPr lang="en-US" sz="1100" kern="1200" dirty="0" smtClean="0">
+                <a:solidFill>
+                  <a:schemeClr val="tx1"/>
+                </a:solidFill>
+                <a:effectLst/>
+                <a:latin typeface="+mn-lt"/>
+                <a:ea typeface="+mn-ea"/>
+                <a:cs typeface="+mn-cs"/>
+              </a:rPr>
+              <a:t>A is a string representing the action, such as “click”</a:t>
+            </a:r>
+          </a:p>
+          <a:p>
+            <a:r>
+              <a:rPr lang="en-US" sz="1100" kern="1200" dirty="0" smtClean="0">
+                <a:solidFill>
+                  <a:schemeClr val="tx1"/>
+                </a:solidFill>
+                <a:effectLst/>
+                <a:latin typeface="+mn-lt"/>
+                <a:ea typeface="+mn-ea"/>
+                <a:cs typeface="+mn-cs"/>
+              </a:rPr>
+              <a:t>B is the element that the user would perform action A on</a:t>
+            </a:r>
+          </a:p>
+          <a:p>
+            <a:r>
+              <a:rPr lang="en-US" sz="1100" kern="1200" dirty="0" smtClean="0">
+                <a:solidFill>
+                  <a:schemeClr val="tx1"/>
+                </a:solidFill>
+                <a:effectLst/>
+                <a:latin typeface="+mn-lt"/>
+                <a:ea typeface="+mn-ea"/>
+                <a:cs typeface="+mn-cs"/>
+              </a:rPr>
+              <a:t>C is a function containing the code that should be run after a user has done action A to element B.</a:t>
+            </a:r>
           </a:p>
         </p:txBody>
       </p:sp>
@@ -15159,22 +15260,7 @@
                 <a:cs typeface="Consolas"/>
                 <a:sym typeface="Source Code Pro"/>
               </a:rPr>
-              <a:t>// </a:t>
-            </a:r>
-            <a:r>
-              <a:rPr lang="en" sz="1400" dirty="0" smtClean="0">
-                <a:solidFill>
-                  <a:srgbClr val="999999"/>
-                </a:solidFill>
-                <a:highlight>
-                  <a:srgbClr val="FFFFFF"/>
-                </a:highlight>
-                <a:latin typeface="Consolas"/>
-                <a:ea typeface="Source Code Pro"/>
-                <a:cs typeface="Consolas"/>
-                <a:sym typeface="Source Code Pro"/>
-              </a:rPr>
-              <a:t>Create a text node</a:t>
+              <a:t>// Create a text node</a:t>
             </a:r>
             <a:endParaRPr lang="en-US" sz="1400" dirty="0" smtClean="0">
               <a:solidFill>
